--- a/EmberJS.pptx
+++ b/EmberJS.pptx
@@ -244,7 +244,7 @@
           <a:p>
             <a:fld id="{04B268A5-FB92-44F3-8FBB-DACDCD54BFAA}" type="datetimeFigureOut">
               <a:rPr lang="en-CA" smtClean="0"/>
-              <a:t>2025-02-22</a:t>
+              <a:t>2025-03-02</a:t>
             </a:fld>
             <a:endParaRPr lang="en-CA"/>
           </a:p>
@@ -1351,7 +1351,7 @@
             <a:fld id="{1D8BD707-D9CF-40AE-B4C6-C98DA3205C09}" type="datetimeFigureOut">
               <a:rPr lang="en-US" smtClean="0"/>
               <a:pPr/>
-              <a:t>2/22/2025</a:t>
+              <a:t>3/2/2025</a:t>
             </a:fld>
             <a:endParaRPr lang="en-US"/>
           </a:p>
@@ -1516,7 +1516,7 @@
             <a:fld id="{1D8BD707-D9CF-40AE-B4C6-C98DA3205C09}" type="datetimeFigureOut">
               <a:rPr lang="en-US" smtClean="0"/>
               <a:pPr/>
-              <a:t>2/22/2025</a:t>
+              <a:t>3/2/2025</a:t>
             </a:fld>
             <a:endParaRPr lang="en-US"/>
           </a:p>
@@ -1691,7 +1691,7 @@
             <a:fld id="{1D8BD707-D9CF-40AE-B4C6-C98DA3205C09}" type="datetimeFigureOut">
               <a:rPr lang="en-US" smtClean="0"/>
               <a:pPr/>
-              <a:t>2/22/2025</a:t>
+              <a:t>3/2/2025</a:t>
             </a:fld>
             <a:endParaRPr lang="en-US"/>
           </a:p>
@@ -1856,7 +1856,7 @@
             <a:fld id="{1D8BD707-D9CF-40AE-B4C6-C98DA3205C09}" type="datetimeFigureOut">
               <a:rPr lang="en-US" smtClean="0"/>
               <a:pPr/>
-              <a:t>2/22/2025</a:t>
+              <a:t>3/2/2025</a:t>
             </a:fld>
             <a:endParaRPr lang="en-US"/>
           </a:p>
@@ -2098,7 +2098,7 @@
             <a:fld id="{1D8BD707-D9CF-40AE-B4C6-C98DA3205C09}" type="datetimeFigureOut">
               <a:rPr lang="en-US" smtClean="0"/>
               <a:pPr/>
-              <a:t>2/22/2025</a:t>
+              <a:t>3/2/2025</a:t>
             </a:fld>
             <a:endParaRPr lang="en-US"/>
           </a:p>
@@ -2380,7 +2380,7 @@
             <a:fld id="{1D8BD707-D9CF-40AE-B4C6-C98DA3205C09}" type="datetimeFigureOut">
               <a:rPr lang="en-US" smtClean="0"/>
               <a:pPr/>
-              <a:t>2/22/2025</a:t>
+              <a:t>3/2/2025</a:t>
             </a:fld>
             <a:endParaRPr lang="en-US"/>
           </a:p>
@@ -2796,7 +2796,7 @@
             <a:fld id="{1D8BD707-D9CF-40AE-B4C6-C98DA3205C09}" type="datetimeFigureOut">
               <a:rPr lang="en-US" smtClean="0"/>
               <a:pPr/>
-              <a:t>2/22/2025</a:t>
+              <a:t>3/2/2025</a:t>
             </a:fld>
             <a:endParaRPr lang="en-US"/>
           </a:p>
@@ -2910,7 +2910,7 @@
             <a:fld id="{1D8BD707-D9CF-40AE-B4C6-C98DA3205C09}" type="datetimeFigureOut">
               <a:rPr lang="en-US" smtClean="0"/>
               <a:pPr/>
-              <a:t>2/22/2025</a:t>
+              <a:t>3/2/2025</a:t>
             </a:fld>
             <a:endParaRPr lang="en-US"/>
           </a:p>
@@ -3002,7 +3002,7 @@
             <a:fld id="{1D8BD707-D9CF-40AE-B4C6-C98DA3205C09}" type="datetimeFigureOut">
               <a:rPr lang="en-US" smtClean="0"/>
               <a:pPr/>
-              <a:t>2/22/2025</a:t>
+              <a:t>3/2/2025</a:t>
             </a:fld>
             <a:endParaRPr lang="en-US"/>
           </a:p>
@@ -3274,7 +3274,7 @@
             <a:fld id="{1D8BD707-D9CF-40AE-B4C6-C98DA3205C09}" type="datetimeFigureOut">
               <a:rPr lang="en-US" smtClean="0"/>
               <a:pPr/>
-              <a:t>2/22/2025</a:t>
+              <a:t>3/2/2025</a:t>
             </a:fld>
             <a:endParaRPr lang="en-US"/>
           </a:p>
@@ -3523,7 +3523,7 @@
             <a:fld id="{1D8BD707-D9CF-40AE-B4C6-C98DA3205C09}" type="datetimeFigureOut">
               <a:rPr lang="en-US" smtClean="0"/>
               <a:pPr/>
-              <a:t>2/22/2025</a:t>
+              <a:t>3/2/2025</a:t>
             </a:fld>
             <a:endParaRPr lang="en-US"/>
           </a:p>
@@ -3731,7 +3731,7 @@
             <a:fld id="{1D8BD707-D9CF-40AE-B4C6-C98DA3205C09}" type="datetimeFigureOut">
               <a:rPr lang="en-US" smtClean="0"/>
               <a:pPr/>
-              <a:t>2/22/2025</a:t>
+              <a:t>3/2/2025</a:t>
             </a:fld>
             <a:endParaRPr lang="en-US"/>
           </a:p>
@@ -8679,7 +8679,7 @@
         </p:nvSpPr>
         <p:spPr>
           <a:xfrm>
-            <a:off x="637704" y="138919"/>
+            <a:off x="457200" y="4381500"/>
             <a:ext cx="9144000" cy="1270861"/>
           </a:xfrm>
           <a:prstGeom prst="rect">
@@ -8724,7 +8724,7 @@
         </p:nvGrpSpPr>
         <p:grpSpPr>
           <a:xfrm>
-            <a:off x="12877800" y="6567237"/>
+            <a:off x="16306800" y="7581900"/>
             <a:ext cx="3438468" cy="3274749"/>
             <a:chOff x="0" y="0"/>
             <a:chExt cx="812800" cy="812800"/>
@@ -8825,7 +8825,7 @@
         </p:nvSpPr>
         <p:spPr>
           <a:xfrm flipH="1">
-            <a:off x="14597034" y="6119293"/>
+            <a:off x="14613200" y="6155387"/>
             <a:ext cx="6058407" cy="4170638"/>
           </a:xfrm>
           <a:custGeom>
@@ -8892,8 +8892,8 @@
         </p:blipFill>
         <p:spPr>
           <a:xfrm>
-            <a:off x="4341678" y="1409780"/>
-            <a:ext cx="5440026" cy="8738301"/>
+            <a:off x="7932802" y="146539"/>
+            <a:ext cx="6231200" cy="10009162"/>
           </a:xfrm>
           <a:prstGeom prst="rect">
             <a:avLst/>
@@ -9419,8 +9419,8 @@
         </p:nvSpPr>
         <p:spPr>
           <a:xfrm>
-            <a:off x="838200" y="1333500"/>
-            <a:ext cx="9677400" cy="566565"/>
+            <a:off x="685800" y="800100"/>
+            <a:ext cx="14020800" cy="495841"/>
           </a:xfrm>
           <a:prstGeom prst="rect">
             <a:avLst/>
@@ -9438,7 +9438,7 @@
               </a:lnSpc>
             </a:pPr>
             <a:r>
-              <a:rPr lang="en-US" sz="7800" b="1" spc="-32" dirty="0">
+              <a:rPr lang="en-US" sz="5400" b="1" spc="-32" dirty="0">
                 <a:solidFill>
                   <a:srgbClr val="EF4434"/>
                 </a:solidFill>
@@ -9447,17 +9447,17 @@
                 <a:cs typeface="Open Sauce Bold"/>
                 <a:sym typeface="Open Sauce Bold"/>
               </a:rPr>
-              <a:t>Routing System</a:t>
+              <a:t>Anatomy of an Ember App</a:t>
             </a:r>
           </a:p>
         </p:txBody>
       </p:sp>
       <p:pic>
         <p:nvPicPr>
-          <p:cNvPr id="15" name="Picture 14">
+          <p:cNvPr id="3" name="Picture 2">
             <a:extLst>
               <a:ext uri="{FF2B5EF4-FFF2-40B4-BE49-F238E27FC236}">
-                <a16:creationId xmlns:a16="http://schemas.microsoft.com/office/drawing/2014/main" id="{1A9E0B03-63AA-5F56-1445-C441BB75DDCE}"/>
+                <a16:creationId xmlns:a16="http://schemas.microsoft.com/office/drawing/2014/main" id="{49D8B238-AA61-7BA9-F160-3DE3BD94ABDB}"/>
               </a:ext>
             </a:extLst>
           </p:cNvPr>
@@ -9474,8 +9474,8 @@
         </p:blipFill>
         <p:spPr>
           <a:xfrm>
-            <a:off x="5486400" y="3083894"/>
-            <a:ext cx="8610600" cy="6471928"/>
+            <a:off x="3745341" y="1295942"/>
+            <a:ext cx="10273715" cy="8991058"/>
           </a:xfrm>
           <a:prstGeom prst="rect">
             <a:avLst/>

--- a/EmberJS.pptx
+++ b/EmberJS.pptx
@@ -5,7 +5,7 @@
     <p:sldMasterId id="2147483648" r:id="rId1"/>
   </p:sldMasterIdLst>
   <p:notesMasterIdLst>
-    <p:notesMasterId r:id="rId13"/>
+    <p:notesMasterId r:id="rId14"/>
   </p:notesMasterIdLst>
   <p:sldIdLst>
     <p:sldId id="256" r:id="rId2"/>
@@ -15,37 +15,38 @@
     <p:sldId id="259" r:id="rId6"/>
     <p:sldId id="263" r:id="rId7"/>
     <p:sldId id="268" r:id="rId8"/>
-    <p:sldId id="265" r:id="rId9"/>
-    <p:sldId id="269" r:id="rId10"/>
-    <p:sldId id="266" r:id="rId11"/>
-    <p:sldId id="267" r:id="rId12"/>
+    <p:sldId id="269" r:id="rId9"/>
+    <p:sldId id="265" r:id="rId10"/>
+    <p:sldId id="270" r:id="rId11"/>
+    <p:sldId id="266" r:id="rId12"/>
+    <p:sldId id="267" r:id="rId13"/>
   </p:sldIdLst>
   <p:sldSz cx="18288000" cy="10287000"/>
   <p:notesSz cx="6858000" cy="9144000"/>
   <p:embeddedFontLst>
     <p:embeddedFont>
       <p:font typeface="Aileron" panose="020B0604020202020204" charset="0"/>
-      <p:regular r:id="rId14"/>
+      <p:regular r:id="rId15"/>
     </p:embeddedFont>
     <p:embeddedFont>
       <p:font typeface="Aileron Bold" panose="020B0604020202020204" charset="0"/>
-      <p:regular r:id="rId15"/>
+      <p:regular r:id="rId16"/>
     </p:embeddedFont>
     <p:embeddedFont>
       <p:font typeface="Aileron Light" panose="020B0604020202020204" charset="0"/>
-      <p:regular r:id="rId16"/>
+      <p:regular r:id="rId17"/>
     </p:embeddedFont>
     <p:embeddedFont>
       <p:font typeface="Open Sauce Bold" panose="020B0604020202020204" charset="0"/>
-      <p:regular r:id="rId17"/>
+      <p:regular r:id="rId18"/>
     </p:embeddedFont>
     <p:embeddedFont>
       <p:font typeface="Open Sauce Light" panose="020B0604020202020204" charset="0"/>
-      <p:regular r:id="rId18"/>
+      <p:regular r:id="rId19"/>
     </p:embeddedFont>
     <p:embeddedFont>
       <p:font typeface="Open Sauce Medium" panose="020B0604020202020204" charset="0"/>
-      <p:regular r:id="rId19"/>
+      <p:regular r:id="rId20"/>
     </p:embeddedFont>
   </p:embeddedFontLst>
   <p:defaultTextStyle>
@@ -1152,7 +1153,7 @@
           <a:p>
             <a:fld id="{5FAF5074-6ACD-4485-B69E-1C1D9625F432}" type="slidenum">
               <a:rPr lang="en-CA" smtClean="0"/>
-              <a:t>9</a:t>
+              <a:t>8</a:t>
             </a:fld>
             <a:endParaRPr lang="en-CA"/>
           </a:p>
@@ -4510,6 +4511,145 @@
 <file path=ppt/slides/slide10.xml><?xml version="1.0" encoding="utf-8"?>
 <p:sld xmlns:a="http://schemas.openxmlformats.org/drawingml/2006/main" xmlns:r="http://schemas.openxmlformats.org/officeDocument/2006/relationships" xmlns:p="http://schemas.openxmlformats.org/presentationml/2006/main">
   <p:cSld>
+    <p:spTree>
+      <p:nvGrpSpPr>
+        <p:cNvPr id="1" name=""/>
+        <p:cNvGrpSpPr/>
+        <p:nvPr/>
+      </p:nvGrpSpPr>
+      <p:grpSpPr>
+        <a:xfrm>
+          <a:off x="0" y="0"/>
+          <a:ext cx="0" cy="0"/>
+          <a:chOff x="0" y="0"/>
+          <a:chExt cx="0" cy="0"/>
+        </a:xfrm>
+      </p:grpSpPr>
+      <p:sp>
+        <p:nvSpPr>
+          <p:cNvPr id="3" name="TextBox 2">
+            <a:extLst>
+              <a:ext uri="{FF2B5EF4-FFF2-40B4-BE49-F238E27FC236}">
+                <a16:creationId xmlns:a16="http://schemas.microsoft.com/office/drawing/2014/main" id="{F3E583BB-F2F2-1BEE-EDF4-6E7F9F906FD7}"/>
+              </a:ext>
+            </a:extLst>
+          </p:cNvPr>
+          <p:cNvSpPr txBox="1"/>
+          <p:nvPr/>
+        </p:nvSpPr>
+        <p:spPr>
+          <a:xfrm>
+            <a:off x="914400" y="800100"/>
+            <a:ext cx="6629400" cy="1349087"/>
+          </a:xfrm>
+          <a:prstGeom prst="rect">
+            <a:avLst/>
+          </a:prstGeom>
+          <a:noFill/>
+        </p:spPr>
+        <p:txBody>
+          <a:bodyPr wrap="square">
+            <a:spAutoFit/>
+          </a:bodyPr>
+          <a:lstStyle/>
+          <a:p>
+            <a:pPr marL="0" lvl="0" indent="0" algn="l">
+              <a:lnSpc>
+                <a:spcPts val="9773"/>
+              </a:lnSpc>
+              <a:spcBef>
+                <a:spcPct val="0"/>
+              </a:spcBef>
+            </a:pPr>
+            <a:r>
+              <a:rPr lang="en-US" sz="9600" b="1" u="none" strike="noStrike" spc="-293" dirty="0">
+                <a:solidFill>
+                  <a:srgbClr val="EF4434"/>
+                </a:solidFill>
+                <a:latin typeface="Aileron Bold"/>
+                <a:ea typeface="Aileron Bold"/>
+                <a:cs typeface="Aileron Bold"/>
+                <a:sym typeface="Aileron Bold"/>
+              </a:rPr>
+              <a:t>Activity</a:t>
+            </a:r>
+          </a:p>
+        </p:txBody>
+      </p:sp>
+      <p:sp>
+        <p:nvSpPr>
+          <p:cNvPr id="4" name="TextBox 8">
+            <a:extLst>
+              <a:ext uri="{FF2B5EF4-FFF2-40B4-BE49-F238E27FC236}">
+                <a16:creationId xmlns:a16="http://schemas.microsoft.com/office/drawing/2014/main" id="{0A466BE4-2785-7BB9-9252-4F5B18E6CB97}"/>
+              </a:ext>
+            </a:extLst>
+          </p:cNvPr>
+          <p:cNvSpPr txBox="1"/>
+          <p:nvPr/>
+        </p:nvSpPr>
+        <p:spPr>
+          <a:xfrm>
+            <a:off x="1752600" y="3467100"/>
+            <a:ext cx="13481862" cy="1308050"/>
+          </a:xfrm>
+          <a:prstGeom prst="rect">
+            <a:avLst/>
+          </a:prstGeom>
+        </p:spPr>
+        <p:txBody>
+          <a:bodyPr wrap="square" lIns="0" tIns="0" rIns="0" bIns="0" rtlCol="0" anchor="t">
+            <a:spAutoFit/>
+          </a:bodyPr>
+          <a:lstStyle/>
+          <a:p>
+            <a:pPr marL="457200" indent="-457200" algn="l">
+              <a:lnSpc>
+                <a:spcPts val="3358"/>
+              </a:lnSpc>
+              <a:buFont typeface="Arial" panose="020B0604020202020204" pitchFamily="34" charset="0"/>
+              <a:buChar char="•"/>
+            </a:pPr>
+            <a:r>
+              <a:rPr lang="en-US" sz="3200" spc="-23" dirty="0">
+                <a:solidFill>
+                  <a:srgbClr val="1F191A"/>
+                </a:solidFill>
+                <a:latin typeface="Open Sauce Light"/>
+                <a:ea typeface="Open Sauce Light"/>
+                <a:cs typeface="Open Sauce Light"/>
+                <a:sym typeface="Open Sauce Light"/>
+              </a:rPr>
+              <a:t>Create a reusable navbar component with links to /home and /movies, allowing additional arguments or attributes to be passed in for customization.</a:t>
+            </a:r>
+            <a:endParaRPr lang="en-US" sz="3200" spc="-23" dirty="0">
+              <a:solidFill>
+                <a:srgbClr val="EF4434"/>
+              </a:solidFill>
+              <a:latin typeface="Open Sauce Light"/>
+              <a:ea typeface="Open Sauce Light"/>
+              <a:cs typeface="Open Sauce Light"/>
+              <a:sym typeface="Open Sauce Light"/>
+            </a:endParaRPr>
+          </a:p>
+        </p:txBody>
+      </p:sp>
+    </p:spTree>
+    <p:extLst>
+      <p:ext uri="{BB962C8B-B14F-4D97-AF65-F5344CB8AC3E}">
+        <p14:creationId xmlns:p14="http://schemas.microsoft.com/office/powerpoint/2010/main" val="4257816887"/>
+      </p:ext>
+    </p:extLst>
+  </p:cSld>
+  <p:clrMapOvr>
+    <a:masterClrMapping/>
+  </p:clrMapOvr>
+</p:sld>
+</file>
+
+<file path=ppt/slides/slide11.xml><?xml version="1.0" encoding="utf-8"?>
+<p:sld xmlns:a="http://schemas.openxmlformats.org/drawingml/2006/main" xmlns:r="http://schemas.openxmlformats.org/officeDocument/2006/relationships" xmlns:p="http://schemas.openxmlformats.org/presentationml/2006/main">
+  <p:cSld>
     <p:bg>
       <p:bgPr>
         <a:solidFill>
@@ -4685,7 +4825,7 @@
 </p:sld>
 </file>
 
-<file path=ppt/slides/slide11.xml><?xml version="1.0" encoding="utf-8"?>
+<file path=ppt/slides/slide12.xml><?xml version="1.0" encoding="utf-8"?>
 <p:sld xmlns:a="http://schemas.openxmlformats.org/drawingml/2006/main" xmlns:r="http://schemas.openxmlformats.org/officeDocument/2006/relationships" xmlns:p="http://schemas.openxmlformats.org/presentationml/2006/main">
   <p:cSld>
     <p:bg>
@@ -5437,7 +5577,7 @@
                 <a:cs typeface="Open Sauce Bold"/>
                 <a:sym typeface="Open Sauce Bold"/>
               </a:rPr>
-              <a:t>Setup &amp; Project Structure</a:t>
+              <a:t>Project Setup &amp; Structure</a:t>
             </a:r>
           </a:p>
         </p:txBody>
@@ -8926,7 +9066,13 @@
     </p:bg>
     <p:spTree>
       <p:nvGrpSpPr>
-        <p:cNvPr id="1" name=""/>
+        <p:cNvPr id="1" name="">
+          <a:extLst>
+            <a:ext uri="{FF2B5EF4-FFF2-40B4-BE49-F238E27FC236}">
+              <a16:creationId xmlns:a16="http://schemas.microsoft.com/office/drawing/2014/main" id="{F9B9B6D1-F745-E168-D964-3143198B9F9A}"/>
+            </a:ext>
+          </a:extLst>
+        </p:cNvPr>
         <p:cNvGrpSpPr/>
         <p:nvPr/>
       </p:nvGrpSpPr>
@@ -8938,322 +9084,29 @@
           <a:chExt cx="0" cy="0"/>
         </a:xfrm>
       </p:grpSpPr>
-      <p:grpSp>
-        <p:nvGrpSpPr>
-          <p:cNvPr id="2" name="Group 2"/>
-          <p:cNvGrpSpPr/>
-          <p:nvPr/>
-        </p:nvGrpSpPr>
-        <p:grpSpPr>
-          <a:xfrm>
-            <a:off x="8237376" y="6772863"/>
-            <a:ext cx="8533765" cy="1948054"/>
-            <a:chOff x="0" y="0"/>
-            <a:chExt cx="2247576" cy="513068"/>
-          </a:xfrm>
-        </p:grpSpPr>
-        <p:sp>
-          <p:nvSpPr>
-            <p:cNvPr id="3" name="Freeform 3"/>
-            <p:cNvSpPr/>
-            <p:nvPr/>
-          </p:nvSpPr>
-          <p:spPr>
-            <a:xfrm>
-              <a:off x="0" y="0"/>
-              <a:ext cx="2247576" cy="513068"/>
-            </a:xfrm>
-            <a:custGeom>
-              <a:avLst/>
-              <a:gdLst/>
-              <a:ahLst/>
-              <a:cxnLst/>
-              <a:rect l="l" t="t" r="r" b="b"/>
-              <a:pathLst>
-                <a:path w="2247576" h="513068">
-                  <a:moveTo>
-                    <a:pt x="1123788" y="0"/>
-                  </a:moveTo>
-                  <a:cubicBezTo>
-                    <a:pt x="503137" y="0"/>
-                    <a:pt x="0" y="114854"/>
-                    <a:pt x="0" y="256534"/>
-                  </a:cubicBezTo>
-                  <a:cubicBezTo>
-                    <a:pt x="0" y="398214"/>
-                    <a:pt x="503137" y="513068"/>
-                    <a:pt x="1123788" y="513068"/>
-                  </a:cubicBezTo>
-                  <a:cubicBezTo>
-                    <a:pt x="1744439" y="513068"/>
-                    <a:pt x="2247576" y="398214"/>
-                    <a:pt x="2247576" y="256534"/>
-                  </a:cubicBezTo>
-                  <a:cubicBezTo>
-                    <a:pt x="2247576" y="114854"/>
-                    <a:pt x="1744439" y="0"/>
-                    <a:pt x="1123788" y="0"/>
-                  </a:cubicBezTo>
-                  <a:close/>
-                </a:path>
-              </a:pathLst>
-            </a:custGeom>
-            <a:solidFill>
-              <a:srgbClr val="F26843"/>
-            </a:solidFill>
-          </p:spPr>
-          <p:txBody>
-            <a:bodyPr/>
-            <a:lstStyle/>
-            <a:p>
-              <a:endParaRPr lang="en-CA"/>
-            </a:p>
-          </p:txBody>
-        </p:sp>
-        <p:sp>
-          <p:nvSpPr>
-            <p:cNvPr id="4" name="TextBox 4"/>
-            <p:cNvSpPr txBox="1"/>
-            <p:nvPr/>
-          </p:nvSpPr>
-          <p:spPr>
-            <a:xfrm>
-              <a:off x="210710" y="475"/>
-              <a:ext cx="1826155" cy="464493"/>
-            </a:xfrm>
-            <a:prstGeom prst="rect">
-              <a:avLst/>
-            </a:prstGeom>
-          </p:spPr>
-          <p:txBody>
-            <a:bodyPr lIns="50800" tIns="50800" rIns="50800" bIns="50800" rtlCol="0" anchor="ctr"/>
-            <a:lstStyle/>
-            <a:p>
-              <a:pPr algn="ctr">
-                <a:lnSpc>
-                  <a:spcPts val="3358"/>
-                </a:lnSpc>
-              </a:pPr>
-              <a:endParaRPr/>
-            </a:p>
-          </p:txBody>
-        </p:sp>
-      </p:grpSp>
-      <p:sp>
-        <p:nvSpPr>
-          <p:cNvPr id="5" name="Freeform 5"/>
-          <p:cNvSpPr/>
-          <p:nvPr/>
-        </p:nvSpPr>
-        <p:spPr>
-          <a:xfrm>
-            <a:off x="7815683" y="4296950"/>
-            <a:ext cx="9424567" cy="4951825"/>
-          </a:xfrm>
-          <a:custGeom>
-            <a:avLst/>
-            <a:gdLst/>
-            <a:ahLst/>
-            <a:cxnLst/>
-            <a:rect l="l" t="t" r="r" b="b"/>
-            <a:pathLst>
-              <a:path w="9424567" h="4951825">
-                <a:moveTo>
-                  <a:pt x="0" y="0"/>
-                </a:moveTo>
-                <a:lnTo>
-                  <a:pt x="9424567" y="0"/>
-                </a:lnTo>
-                <a:lnTo>
-                  <a:pt x="9424567" y="4951825"/>
-                </a:lnTo>
-                <a:lnTo>
-                  <a:pt x="0" y="4951825"/>
-                </a:lnTo>
-                <a:lnTo>
-                  <a:pt x="0" y="0"/>
-                </a:lnTo>
-                <a:close/>
-              </a:path>
-            </a:pathLst>
-          </a:custGeom>
-          <a:blipFill>
-            <a:blip r:embed="rId2"/>
-            <a:stretch>
-              <a:fillRect/>
-            </a:stretch>
-          </a:blipFill>
-        </p:spPr>
-        <p:txBody>
-          <a:bodyPr/>
-          <a:lstStyle/>
-          <a:p>
-            <a:endParaRPr lang="en-CA"/>
-          </a:p>
-        </p:txBody>
-      </p:sp>
-      <p:sp>
-        <p:nvSpPr>
-          <p:cNvPr id="6" name="TextBox 6"/>
+      <p:sp>
+        <p:nvSpPr>
+          <p:cNvPr id="9" name="TextBox 9">
+            <a:extLst>
+              <a:ext uri="{FF2B5EF4-FFF2-40B4-BE49-F238E27FC236}">
+                <a16:creationId xmlns:a16="http://schemas.microsoft.com/office/drawing/2014/main" id="{607B411F-3304-F994-B861-CAFBF157CC2A}"/>
+              </a:ext>
+            </a:extLst>
+          </p:cNvPr>
           <p:cNvSpPr txBox="1"/>
           <p:nvPr/>
         </p:nvSpPr>
         <p:spPr>
           <a:xfrm>
-            <a:off x="1255244" y="1304925"/>
-            <a:ext cx="7250009" cy="1256754"/>
+            <a:off x="685800" y="800100"/>
+            <a:ext cx="14020800" cy="495841"/>
           </a:xfrm>
           <a:prstGeom prst="rect">
             <a:avLst/>
           </a:prstGeom>
         </p:spPr>
         <p:txBody>
-          <a:bodyPr lIns="0" tIns="0" rIns="0" bIns="0" rtlCol="0" anchor="t">
-            <a:spAutoFit/>
-          </a:bodyPr>
-          <a:lstStyle/>
-          <a:p>
-            <a:pPr marL="0" lvl="0" indent="0" algn="l">
-              <a:lnSpc>
-                <a:spcPts val="9773"/>
-              </a:lnSpc>
-              <a:spcBef>
-                <a:spcPct val="0"/>
-              </a:spcBef>
-            </a:pPr>
-            <a:r>
-              <a:rPr lang="en-US" sz="9773" b="1" u="none" strike="noStrike" spc="-293" dirty="0">
-                <a:solidFill>
-                  <a:srgbClr val="EF4434"/>
-                </a:solidFill>
-                <a:latin typeface="Aileron Bold"/>
-                <a:ea typeface="Aileron Bold"/>
-                <a:cs typeface="Aileron Bold"/>
-                <a:sym typeface="Aileron Bold"/>
-              </a:rPr>
-              <a:t>Demo</a:t>
-            </a:r>
-          </a:p>
-        </p:txBody>
-      </p:sp>
-      <p:sp>
-        <p:nvSpPr>
-          <p:cNvPr id="7" name="TextBox 7"/>
-          <p:cNvSpPr txBox="1"/>
-          <p:nvPr/>
-        </p:nvSpPr>
-        <p:spPr>
-          <a:xfrm>
-            <a:off x="10186685" y="2235857"/>
-            <a:ext cx="6672682" cy="1243912"/>
-          </a:xfrm>
-          <a:prstGeom prst="rect">
-            <a:avLst/>
-          </a:prstGeom>
-        </p:spPr>
-        <p:txBody>
-          <a:bodyPr lIns="0" tIns="0" rIns="0" bIns="0" rtlCol="0" anchor="t">
-            <a:spAutoFit/>
-          </a:bodyPr>
-          <a:lstStyle/>
-          <a:p>
-            <a:pPr algn="l">
-              <a:lnSpc>
-                <a:spcPts val="3358"/>
-              </a:lnSpc>
-            </a:pPr>
-            <a:r>
-              <a:rPr lang="en-US" sz="2399" spc="-23" dirty="0">
-                <a:solidFill>
-                  <a:srgbClr val="1F191A"/>
-                </a:solidFill>
-                <a:latin typeface="Open Sauce Light"/>
-                <a:ea typeface="Open Sauce Light"/>
-                <a:cs typeface="Open Sauce Light"/>
-                <a:sym typeface="Open Sauce Light"/>
-              </a:rPr>
-              <a:t>Discuss the importance of government policies and regulations in driving green job creation and supporting sustainable industries.</a:t>
-            </a:r>
-          </a:p>
-        </p:txBody>
-      </p:sp>
-      <p:sp>
-        <p:nvSpPr>
-          <p:cNvPr id="8" name="TextBox 8"/>
-          <p:cNvSpPr txBox="1"/>
-          <p:nvPr/>
-        </p:nvSpPr>
-        <p:spPr>
-          <a:xfrm>
-            <a:off x="1398119" y="7272243"/>
-            <a:ext cx="5600400" cy="1662987"/>
-          </a:xfrm>
-          <a:prstGeom prst="rect">
-            <a:avLst/>
-          </a:prstGeom>
-        </p:spPr>
-        <p:txBody>
-          <a:bodyPr lIns="0" tIns="0" rIns="0" bIns="0" rtlCol="0" anchor="t">
-            <a:spAutoFit/>
-          </a:bodyPr>
-          <a:lstStyle/>
-          <a:p>
-            <a:pPr algn="l">
-              <a:lnSpc>
-                <a:spcPts val="3358"/>
-              </a:lnSpc>
-            </a:pPr>
-            <a:r>
-              <a:rPr lang="en-US" sz="2399" spc="-23" dirty="0">
-                <a:solidFill>
-                  <a:srgbClr val="1F191A"/>
-                </a:solidFill>
-                <a:latin typeface="Open Sauce Light"/>
-                <a:ea typeface="Open Sauce Light"/>
-                <a:cs typeface="Open Sauce Light"/>
-                <a:sym typeface="Open Sauce Light"/>
-              </a:rPr>
-              <a:t>Highlight examples of government incentives, subsidies, and regulations that promote green employment</a:t>
-            </a:r>
-          </a:p>
-          <a:p>
-            <a:pPr algn="l">
-              <a:lnSpc>
-                <a:spcPts val="3358"/>
-              </a:lnSpc>
-            </a:pPr>
-            <a:r>
-              <a:rPr lang="en-US" sz="2399" spc="-23" dirty="0">
-                <a:solidFill>
-                  <a:srgbClr val="1F191A"/>
-                </a:solidFill>
-                <a:latin typeface="Open Sauce Light"/>
-                <a:ea typeface="Open Sauce Light"/>
-                <a:cs typeface="Open Sauce Light"/>
-                <a:sym typeface="Open Sauce Light"/>
-              </a:rPr>
-              <a:t>and investment.</a:t>
-            </a:r>
-          </a:p>
-        </p:txBody>
-      </p:sp>
-      <p:sp>
-        <p:nvSpPr>
-          <p:cNvPr id="9" name="TextBox 9"/>
-          <p:cNvSpPr txBox="1"/>
-          <p:nvPr/>
-        </p:nvSpPr>
-        <p:spPr>
-          <a:xfrm>
-            <a:off x="1355517" y="5404719"/>
-            <a:ext cx="2253415" cy="897682"/>
-          </a:xfrm>
-          <a:prstGeom prst="rect">
-            <a:avLst/>
-          </a:prstGeom>
-        </p:spPr>
-        <p:txBody>
-          <a:bodyPr lIns="0" tIns="0" rIns="0" bIns="0" rtlCol="0" anchor="t">
+          <a:bodyPr wrap="square" lIns="0" tIns="0" rIns="0" bIns="0" rtlCol="0" anchor="t">
             <a:spAutoFit/>
           </a:bodyPr>
           <a:lstStyle/>
@@ -9264,7 +9117,7 @@
               </a:lnSpc>
             </a:pPr>
             <a:r>
-              <a:rPr lang="en-US" sz="3200" b="1" spc="-32" dirty="0">
+              <a:rPr lang="en-US" sz="5400" b="1" spc="-32" dirty="0">
                 <a:solidFill>
                   <a:srgbClr val="EF4434"/>
                 </a:solidFill>
@@ -9273,100 +9126,47 @@
                 <a:cs typeface="Open Sauce Bold"/>
                 <a:sym typeface="Open Sauce Bold"/>
               </a:rPr>
-              <a:t>Routing System</a:t>
-            </a:r>
-          </a:p>
-        </p:txBody>
-      </p:sp>
-      <p:sp>
-        <p:nvSpPr>
-          <p:cNvPr id="10" name="TextBox 10"/>
-          <p:cNvSpPr txBox="1"/>
+              <a:t>Anatomy of an Ember App</a:t>
+            </a:r>
+          </a:p>
+        </p:txBody>
+      </p:sp>
+      <p:pic>
+        <p:nvPicPr>
+          <p:cNvPr id="3" name="Picture 2">
+            <a:extLst>
+              <a:ext uri="{FF2B5EF4-FFF2-40B4-BE49-F238E27FC236}">
+                <a16:creationId xmlns:a16="http://schemas.microsoft.com/office/drawing/2014/main" id="{49D8B238-AA61-7BA9-F160-3DE3BD94ABDB}"/>
+              </a:ext>
+            </a:extLst>
+          </p:cNvPr>
+          <p:cNvPicPr>
+            <a:picLocks noChangeAspect="1"/>
+          </p:cNvPicPr>
           <p:nvPr/>
-        </p:nvSpPr>
-        <p:spPr>
-          <a:xfrm>
-            <a:off x="10186685" y="1536399"/>
-            <a:ext cx="2777293" cy="450116"/>
+        </p:nvPicPr>
+        <p:blipFill>
+          <a:blip r:embed="rId3"/>
+          <a:stretch>
+            <a:fillRect/>
+          </a:stretch>
+        </p:blipFill>
+        <p:spPr>
+          <a:xfrm>
+            <a:off x="3745341" y="1295942"/>
+            <a:ext cx="10273715" cy="8991058"/>
           </a:xfrm>
           <a:prstGeom prst="rect">
             <a:avLst/>
           </a:prstGeom>
         </p:spPr>
-        <p:txBody>
-          <a:bodyPr lIns="0" tIns="0" rIns="0" bIns="0" rtlCol="0" anchor="t">
-            <a:spAutoFit/>
-          </a:bodyPr>
-          <a:lstStyle/>
-          <a:p>
-            <a:pPr marL="0" lvl="0" indent="0" algn="l">
-              <a:lnSpc>
-                <a:spcPts val="3520"/>
-              </a:lnSpc>
-            </a:pPr>
-            <a:r>
-              <a:rPr lang="en-US" sz="3200" b="1" spc="-32">
-                <a:solidFill>
-                  <a:srgbClr val="EF4434"/>
-                </a:solidFill>
-                <a:latin typeface="Open Sauce Bold"/>
-                <a:ea typeface="Open Sauce Bold"/>
-                <a:cs typeface="Open Sauce Bold"/>
-                <a:sym typeface="Open Sauce Bold"/>
-              </a:rPr>
-              <a:t>Second Point</a:t>
-            </a:r>
-          </a:p>
-        </p:txBody>
-      </p:sp>
-      <p:sp>
-        <p:nvSpPr>
-          <p:cNvPr id="11" name="TextBox 8">
-            <a:extLst>
-              <a:ext uri="{FF2B5EF4-FFF2-40B4-BE49-F238E27FC236}">
-                <a16:creationId xmlns:a16="http://schemas.microsoft.com/office/drawing/2014/main" id="{46DF4C71-DDD9-F298-CCB5-E4B555DC94C8}"/>
-              </a:ext>
-            </a:extLst>
-          </p:cNvPr>
-          <p:cNvSpPr txBox="1"/>
-          <p:nvPr/>
-        </p:nvSpPr>
-        <p:spPr>
-          <a:xfrm>
-            <a:off x="1374567" y="3253973"/>
-            <a:ext cx="5600400" cy="397738"/>
-          </a:xfrm>
-          <a:prstGeom prst="rect">
-            <a:avLst/>
-          </a:prstGeom>
-        </p:spPr>
-        <p:txBody>
-          <a:bodyPr lIns="0" tIns="0" rIns="0" bIns="0" rtlCol="0" anchor="t">
-            <a:spAutoFit/>
-          </a:bodyPr>
-          <a:lstStyle/>
-          <a:p>
-            <a:pPr algn="l">
-              <a:lnSpc>
-                <a:spcPts val="3358"/>
-              </a:lnSpc>
-            </a:pPr>
-            <a:r>
-              <a:rPr lang="en-US" sz="2399" spc="-23" dirty="0">
-                <a:solidFill>
-                  <a:srgbClr val="1F191A"/>
-                </a:solidFill>
-                <a:latin typeface="Open Sauce Light"/>
-                <a:ea typeface="Open Sauce Light"/>
-                <a:cs typeface="Open Sauce Light"/>
-                <a:sym typeface="Open Sauce Light"/>
-              </a:rPr>
-              <a:t>Movies App</a:t>
-            </a:r>
-          </a:p>
-        </p:txBody>
-      </p:sp>
+      </p:pic>
     </p:spTree>
+    <p:extLst>
+      <p:ext uri="{BB962C8B-B14F-4D97-AF65-F5344CB8AC3E}">
+        <p14:creationId xmlns:p14="http://schemas.microsoft.com/office/powerpoint/2010/main" val="434454491"/>
+      </p:ext>
+    </p:extLst>
   </p:cSld>
   <p:clrMapOvr>
     <a:masterClrMapping/>
@@ -9387,13 +9187,7 @@
     </p:bg>
     <p:spTree>
       <p:nvGrpSpPr>
-        <p:cNvPr id="1" name="">
-          <a:extLst>
-            <a:ext uri="{FF2B5EF4-FFF2-40B4-BE49-F238E27FC236}">
-              <a16:creationId xmlns:a16="http://schemas.microsoft.com/office/drawing/2014/main" id="{F9B9B6D1-F745-E168-D964-3143198B9F9A}"/>
-            </a:ext>
-          </a:extLst>
-        </p:cNvPr>
+        <p:cNvPr id="1" name=""/>
         <p:cNvGrpSpPr/>
         <p:nvPr/>
       </p:nvGrpSpPr>
@@ -9407,10 +9201,54 @@
       </p:grpSpPr>
       <p:sp>
         <p:nvSpPr>
-          <p:cNvPr id="9" name="TextBox 9">
+          <p:cNvPr id="6" name="TextBox 6"/>
+          <p:cNvSpPr txBox="1"/>
+          <p:nvPr/>
+        </p:nvSpPr>
+        <p:spPr>
+          <a:xfrm>
+            <a:off x="1255244" y="1304925"/>
+            <a:ext cx="7250009" cy="1256754"/>
+          </a:xfrm>
+          <a:prstGeom prst="rect">
+            <a:avLst/>
+          </a:prstGeom>
+        </p:spPr>
+        <p:txBody>
+          <a:bodyPr lIns="0" tIns="0" rIns="0" bIns="0" rtlCol="0" anchor="t">
+            <a:spAutoFit/>
+          </a:bodyPr>
+          <a:lstStyle/>
+          <a:p>
+            <a:pPr marL="0" lvl="0" indent="0" algn="l">
+              <a:lnSpc>
+                <a:spcPts val="9773"/>
+              </a:lnSpc>
+              <a:spcBef>
+                <a:spcPct val="0"/>
+              </a:spcBef>
+            </a:pPr>
+            <a:r>
+              <a:rPr lang="en-US" sz="9773" b="1" u="none" strike="noStrike" spc="-293" dirty="0">
+                <a:solidFill>
+                  <a:srgbClr val="EF4434"/>
+                </a:solidFill>
+                <a:latin typeface="Aileron Bold"/>
+                <a:ea typeface="Aileron Bold"/>
+                <a:cs typeface="Aileron Bold"/>
+                <a:sym typeface="Aileron Bold"/>
+              </a:rPr>
+              <a:t>Demo</a:t>
+            </a:r>
+          </a:p>
+        </p:txBody>
+      </p:sp>
+      <p:sp>
+        <p:nvSpPr>
+          <p:cNvPr id="11" name="TextBox 8">
             <a:extLst>
               <a:ext uri="{FF2B5EF4-FFF2-40B4-BE49-F238E27FC236}">
-                <a16:creationId xmlns:a16="http://schemas.microsoft.com/office/drawing/2014/main" id="{607B411F-3304-F994-B861-CAFBF157CC2A}"/>
+                <a16:creationId xmlns:a16="http://schemas.microsoft.com/office/drawing/2014/main" id="{46DF4C71-DDD9-F298-CCB5-E4B555DC94C8}"/>
               </a:ext>
             </a:extLst>
           </p:cNvPr>
@@ -9419,8 +9257,8 @@
         </p:nvSpPr>
         <p:spPr>
           <a:xfrm>
-            <a:off x="685800" y="800100"/>
-            <a:ext cx="14020800" cy="495841"/>
+            <a:off x="6986874" y="2717417"/>
+            <a:ext cx="4161853" cy="486223"/>
           </a:xfrm>
           <a:prstGeom prst="rect">
             <a:avLst/>
@@ -9432,62 +9270,350 @@
           </a:bodyPr>
           <a:lstStyle/>
           <a:p>
-            <a:pPr marL="0" lvl="0" indent="0" algn="l">
+            <a:pPr algn="ctr">
               <a:lnSpc>
-                <a:spcPts val="3520"/>
+                <a:spcPts val="3358"/>
               </a:lnSpc>
             </a:pPr>
             <a:r>
-              <a:rPr lang="en-US" sz="5400" b="1" spc="-32" dirty="0">
+              <a:rPr lang="en-US" sz="5400" b="1" spc="-23" dirty="0">
+                <a:solidFill>
+                  <a:srgbClr val="1F191A"/>
+                </a:solidFill>
+                <a:latin typeface="Open Sauce Light"/>
+                <a:ea typeface="Open Sauce Light"/>
+                <a:cs typeface="Open Sauce Light"/>
+                <a:sym typeface="Open Sauce Light"/>
+              </a:rPr>
+              <a:t>Movie App</a:t>
+            </a:r>
+          </a:p>
+        </p:txBody>
+      </p:sp>
+      <p:sp>
+        <p:nvSpPr>
+          <p:cNvPr id="12" name="TextBox 8">
+            <a:extLst>
+              <a:ext uri="{FF2B5EF4-FFF2-40B4-BE49-F238E27FC236}">
+                <a16:creationId xmlns:a16="http://schemas.microsoft.com/office/drawing/2014/main" id="{57C28A1C-2244-DDCE-7069-78C0F6416F11}"/>
+              </a:ext>
+            </a:extLst>
+          </p:cNvPr>
+          <p:cNvSpPr txBox="1"/>
+          <p:nvPr/>
+        </p:nvSpPr>
+        <p:spPr>
+          <a:xfrm>
+            <a:off x="1524000" y="4012817"/>
+            <a:ext cx="5762051" cy="436017"/>
+          </a:xfrm>
+          <a:prstGeom prst="rect">
+            <a:avLst/>
+          </a:prstGeom>
+        </p:spPr>
+        <p:txBody>
+          <a:bodyPr wrap="square" lIns="0" tIns="0" rIns="0" bIns="0" rtlCol="0" anchor="t">
+            <a:spAutoFit/>
+          </a:bodyPr>
+          <a:lstStyle/>
+          <a:p>
+            <a:pPr marL="457200" indent="-457200" algn="l">
+              <a:lnSpc>
+                <a:spcPts val="3358"/>
+              </a:lnSpc>
+              <a:buFont typeface="Arial" panose="020B0604020202020204" pitchFamily="34" charset="0"/>
+              <a:buChar char="•"/>
+            </a:pPr>
+            <a:r>
+              <a:rPr lang="en-US" sz="3200" spc="-23" dirty="0">
+                <a:solidFill>
+                  <a:srgbClr val="1F191A"/>
+                </a:solidFill>
+                <a:latin typeface="Open Sauce Light"/>
+                <a:ea typeface="Open Sauce Light"/>
+                <a:cs typeface="Open Sauce Light"/>
+                <a:sym typeface="Open Sauce Light"/>
+              </a:rPr>
+              <a:t>Create a route to </a:t>
+            </a:r>
+            <a:r>
+              <a:rPr lang="en-US" sz="3200" spc="-23" dirty="0">
                 <a:solidFill>
                   <a:srgbClr val="EF4434"/>
                 </a:solidFill>
-                <a:latin typeface="Open Sauce Bold"/>
-                <a:ea typeface="Open Sauce Bold"/>
-                <a:cs typeface="Open Sauce Bold"/>
-                <a:sym typeface="Open Sauce Bold"/>
+                <a:latin typeface="Open Sauce Light"/>
+                <a:ea typeface="Open Sauce Light"/>
+                <a:cs typeface="Open Sauce Light"/>
+                <a:sym typeface="Open Sauce Light"/>
               </a:rPr>
-              <a:t>Anatomy of an Ember App</a:t>
-            </a:r>
-          </a:p>
-        </p:txBody>
-      </p:sp>
-      <p:pic>
-        <p:nvPicPr>
-          <p:cNvPr id="3" name="Picture 2">
+              <a:t>/movies</a:t>
+            </a:r>
+          </a:p>
+        </p:txBody>
+      </p:sp>
+      <p:sp>
+        <p:nvSpPr>
+          <p:cNvPr id="13" name="TextBox 8">
             <a:extLst>
               <a:ext uri="{FF2B5EF4-FFF2-40B4-BE49-F238E27FC236}">
-                <a16:creationId xmlns:a16="http://schemas.microsoft.com/office/drawing/2014/main" id="{49D8B238-AA61-7BA9-F160-3DE3BD94ABDB}"/>
+                <a16:creationId xmlns:a16="http://schemas.microsoft.com/office/drawing/2014/main" id="{D5399993-6FC2-B667-28E0-42DFCE02D825}"/>
               </a:ext>
             </a:extLst>
           </p:cNvPr>
-          <p:cNvPicPr>
-            <a:picLocks noChangeAspect="1"/>
-          </p:cNvPicPr>
+          <p:cNvSpPr txBox="1"/>
           <p:nvPr/>
-        </p:nvPicPr>
-        <p:blipFill>
-          <a:blip r:embed="rId3"/>
-          <a:stretch>
-            <a:fillRect/>
-          </a:stretch>
-        </p:blipFill>
-        <p:spPr>
-          <a:xfrm>
-            <a:off x="3745341" y="1295942"/>
-            <a:ext cx="10273715" cy="8991058"/>
+        </p:nvSpPr>
+        <p:spPr>
+          <a:xfrm>
+            <a:off x="1524000" y="4660517"/>
+            <a:ext cx="7543801" cy="872034"/>
           </a:xfrm>
           <a:prstGeom prst="rect">
             <a:avLst/>
           </a:prstGeom>
         </p:spPr>
-      </p:pic>
+        <p:txBody>
+          <a:bodyPr wrap="square" lIns="0" tIns="0" rIns="0" bIns="0" rtlCol="0" anchor="t">
+            <a:spAutoFit/>
+          </a:bodyPr>
+          <a:lstStyle/>
+          <a:p>
+            <a:pPr marL="457200" indent="-457200" algn="l">
+              <a:lnSpc>
+                <a:spcPts val="3358"/>
+              </a:lnSpc>
+              <a:buFont typeface="Arial" panose="020B0604020202020204" pitchFamily="34" charset="0"/>
+              <a:buChar char="•"/>
+            </a:pPr>
+            <a:r>
+              <a:rPr lang="en-US" sz="3200" spc="-23" dirty="0">
+                <a:solidFill>
+                  <a:srgbClr val="1F191A"/>
+                </a:solidFill>
+                <a:latin typeface="Open Sauce Light"/>
+                <a:ea typeface="Open Sauce Light"/>
+                <a:cs typeface="Open Sauce Light"/>
+                <a:sym typeface="Open Sauce Light"/>
+              </a:rPr>
+              <a:t>Retrieve and display data from TMDB API using </a:t>
+            </a:r>
+            <a:r>
+              <a:rPr lang="en-US" sz="3200" spc="-23" dirty="0">
+                <a:solidFill>
+                  <a:srgbClr val="EF4434"/>
+                </a:solidFill>
+                <a:latin typeface="Open Sauce Light"/>
+                <a:ea typeface="Open Sauce Light"/>
+                <a:cs typeface="Open Sauce Light"/>
+                <a:sym typeface="Open Sauce Light"/>
+              </a:rPr>
+              <a:t>Ember Data</a:t>
+            </a:r>
+          </a:p>
+        </p:txBody>
+      </p:sp>
+      <p:sp>
+        <p:nvSpPr>
+          <p:cNvPr id="14" name="TextBox 8">
+            <a:extLst>
+              <a:ext uri="{FF2B5EF4-FFF2-40B4-BE49-F238E27FC236}">
+                <a16:creationId xmlns:a16="http://schemas.microsoft.com/office/drawing/2014/main" id="{A7ACB98E-5618-B828-41B8-7930C26BE8A3}"/>
+              </a:ext>
+            </a:extLst>
+          </p:cNvPr>
+          <p:cNvSpPr txBox="1"/>
+          <p:nvPr/>
+        </p:nvSpPr>
+        <p:spPr>
+          <a:xfrm>
+            <a:off x="1523999" y="5744234"/>
+            <a:ext cx="7391402" cy="872034"/>
+          </a:xfrm>
+          <a:prstGeom prst="rect">
+            <a:avLst/>
+          </a:prstGeom>
+        </p:spPr>
+        <p:txBody>
+          <a:bodyPr wrap="square" lIns="0" tIns="0" rIns="0" bIns="0" rtlCol="0" anchor="t">
+            <a:spAutoFit/>
+          </a:bodyPr>
+          <a:lstStyle/>
+          <a:p>
+            <a:pPr marL="457200" indent="-457200" algn="l">
+              <a:lnSpc>
+                <a:spcPts val="3358"/>
+              </a:lnSpc>
+              <a:buFont typeface="Arial" panose="020B0604020202020204" pitchFamily="34" charset="0"/>
+              <a:buChar char="•"/>
+            </a:pPr>
+            <a:r>
+              <a:rPr lang="en-US" sz="3200" spc="-23" dirty="0">
+                <a:solidFill>
+                  <a:srgbClr val="1F191A"/>
+                </a:solidFill>
+                <a:latin typeface="Open Sauce Light"/>
+                <a:ea typeface="Open Sauce Light"/>
+                <a:cs typeface="Open Sauce Light"/>
+                <a:sym typeface="Open Sauce Light"/>
+              </a:rPr>
+              <a:t>Create a movie details route </a:t>
+            </a:r>
+            <a:r>
+              <a:rPr lang="en-US" sz="3200" spc="-23" dirty="0">
+                <a:solidFill>
+                  <a:srgbClr val="EF4434"/>
+                </a:solidFill>
+                <a:latin typeface="Open Sauce Light"/>
+                <a:ea typeface="Open Sauce Light"/>
+                <a:cs typeface="Open Sauce Light"/>
+                <a:sym typeface="Open Sauce Light"/>
+              </a:rPr>
+              <a:t>/movie/{id}</a:t>
+            </a:r>
+          </a:p>
+        </p:txBody>
+      </p:sp>
+      <p:sp>
+        <p:nvSpPr>
+          <p:cNvPr id="15" name="TextBox 8">
+            <a:extLst>
+              <a:ext uri="{FF2B5EF4-FFF2-40B4-BE49-F238E27FC236}">
+                <a16:creationId xmlns:a16="http://schemas.microsoft.com/office/drawing/2014/main" id="{343C01C2-1AA1-2FA9-EA3A-45EC40A12452}"/>
+              </a:ext>
+            </a:extLst>
+          </p:cNvPr>
+          <p:cNvSpPr txBox="1"/>
+          <p:nvPr/>
+        </p:nvSpPr>
+        <p:spPr>
+          <a:xfrm>
+            <a:off x="1493518" y="6827951"/>
+            <a:ext cx="8383335" cy="872034"/>
+          </a:xfrm>
+          <a:prstGeom prst="rect">
+            <a:avLst/>
+          </a:prstGeom>
+        </p:spPr>
+        <p:txBody>
+          <a:bodyPr wrap="square" lIns="0" tIns="0" rIns="0" bIns="0" rtlCol="0" anchor="t">
+            <a:spAutoFit/>
+          </a:bodyPr>
+          <a:lstStyle/>
+          <a:p>
+            <a:pPr marL="457200" indent="-457200" algn="l">
+              <a:lnSpc>
+                <a:spcPts val="3358"/>
+              </a:lnSpc>
+              <a:buFont typeface="Arial" panose="020B0604020202020204" pitchFamily="34" charset="0"/>
+              <a:buChar char="•"/>
+            </a:pPr>
+            <a:r>
+              <a:rPr lang="en-US" sz="3200" spc="-23" dirty="0">
+                <a:solidFill>
+                  <a:srgbClr val="1F191A"/>
+                </a:solidFill>
+                <a:latin typeface="Open Sauce Light"/>
+                <a:ea typeface="Open Sauce Light"/>
+                <a:cs typeface="Open Sauce Light"/>
+                <a:sym typeface="Open Sauce Light"/>
+              </a:rPr>
+              <a:t>Retrieve and display data from TMDB API inside a </a:t>
+            </a:r>
+            <a:r>
+              <a:rPr lang="en-US" sz="3200" spc="-23" dirty="0">
+                <a:solidFill>
+                  <a:srgbClr val="EF4434"/>
+                </a:solidFill>
+                <a:latin typeface="Open Sauce Light"/>
+                <a:ea typeface="Open Sauce Light"/>
+                <a:cs typeface="Open Sauce Light"/>
+                <a:sym typeface="Open Sauce Light"/>
+              </a:rPr>
+              <a:t>service</a:t>
+            </a:r>
+            <a:r>
+              <a:rPr lang="en-US" sz="3200" spc="-23" dirty="0">
+                <a:solidFill>
+                  <a:srgbClr val="1F191A"/>
+                </a:solidFill>
+                <a:latin typeface="Open Sauce Light"/>
+                <a:ea typeface="Open Sauce Light"/>
+                <a:cs typeface="Open Sauce Light"/>
+                <a:sym typeface="Open Sauce Light"/>
+              </a:rPr>
+              <a:t> and using fetch</a:t>
+            </a:r>
+          </a:p>
+        </p:txBody>
+      </p:sp>
+      <p:sp>
+        <p:nvSpPr>
+          <p:cNvPr id="16" name="TextBox 8">
+            <a:extLst>
+              <a:ext uri="{FF2B5EF4-FFF2-40B4-BE49-F238E27FC236}">
+                <a16:creationId xmlns:a16="http://schemas.microsoft.com/office/drawing/2014/main" id="{47262373-6DFD-A1B1-21CE-7E7612ECFEB4}"/>
+              </a:ext>
+            </a:extLst>
+          </p:cNvPr>
+          <p:cNvSpPr txBox="1"/>
+          <p:nvPr/>
+        </p:nvSpPr>
+        <p:spPr>
+          <a:xfrm>
+            <a:off x="1493518" y="7902829"/>
+            <a:ext cx="7391402" cy="1308050"/>
+          </a:xfrm>
+          <a:prstGeom prst="rect">
+            <a:avLst/>
+          </a:prstGeom>
+        </p:spPr>
+        <p:txBody>
+          <a:bodyPr wrap="square" lIns="0" tIns="0" rIns="0" bIns="0" rtlCol="0" anchor="t">
+            <a:spAutoFit/>
+          </a:bodyPr>
+          <a:lstStyle/>
+          <a:p>
+            <a:pPr marL="457200" indent="-457200" algn="l">
+              <a:lnSpc>
+                <a:spcPts val="3358"/>
+              </a:lnSpc>
+              <a:buFont typeface="Arial" panose="020B0604020202020204" pitchFamily="34" charset="0"/>
+              <a:buChar char="•"/>
+            </a:pPr>
+            <a:r>
+              <a:rPr lang="en-US" sz="3200" spc="-23" dirty="0">
+                <a:latin typeface="Open Sauce Light"/>
+                <a:ea typeface="Open Sauce Light"/>
+                <a:cs typeface="Open Sauce Light"/>
+                <a:sym typeface="Open Sauce Light"/>
+              </a:rPr>
+              <a:t>Refactor the movie image into a reusable </a:t>
+            </a:r>
+            <a:r>
+              <a:rPr lang="en-US" sz="3200" spc="-23" dirty="0">
+                <a:solidFill>
+                  <a:srgbClr val="EF4434"/>
+                </a:solidFill>
+                <a:latin typeface="Open Sauce Light"/>
+                <a:ea typeface="Open Sauce Light"/>
+                <a:cs typeface="Open Sauce Light"/>
+                <a:sym typeface="Open Sauce Light"/>
+              </a:rPr>
+              <a:t>component</a:t>
+            </a:r>
+            <a:r>
+              <a:rPr lang="en-US" sz="3200" spc="-23" dirty="0">
+                <a:latin typeface="Open Sauce Light"/>
+                <a:ea typeface="Open Sauce Light"/>
+                <a:cs typeface="Open Sauce Light"/>
+                <a:sym typeface="Open Sauce Light"/>
+              </a:rPr>
+              <a:t> and use it on both the movie list and details page</a:t>
+            </a:r>
+          </a:p>
+        </p:txBody>
+      </p:sp>
     </p:spTree>
-    <p:extLst>
-      <p:ext uri="{BB962C8B-B14F-4D97-AF65-F5344CB8AC3E}">
-        <p14:creationId xmlns:p14="http://schemas.microsoft.com/office/powerpoint/2010/main" val="434454491"/>
-      </p:ext>
-    </p:extLst>
   </p:cSld>
   <p:clrMapOvr>
     <a:masterClrMapping/>

--- a/EmberJS.pptx
+++ b/EmberJS.pptx
@@ -245,7 +245,7 @@
           <a:p>
             <a:fld id="{04B268A5-FB92-44F3-8FBB-DACDCD54BFAA}" type="datetimeFigureOut">
               <a:rPr lang="en-CA" smtClean="0"/>
-              <a:t>2025-03-02</a:t>
+              <a:t>2025-03-04</a:t>
             </a:fld>
             <a:endParaRPr lang="en-CA"/>
           </a:p>
@@ -1172,6 +1172,120 @@
 </p:notes>
 </file>
 
+<file path=ppt/notesSlides/notesSlide6.xml><?xml version="1.0" encoding="utf-8"?>
+<p:notes xmlns:a="http://schemas.openxmlformats.org/drawingml/2006/main" xmlns:r="http://schemas.openxmlformats.org/officeDocument/2006/relationships" xmlns:p="http://schemas.openxmlformats.org/presentationml/2006/main">
+  <p:cSld>
+    <p:spTree>
+      <p:nvGrpSpPr>
+        <p:cNvPr id="1" name=""/>
+        <p:cNvGrpSpPr/>
+        <p:nvPr/>
+      </p:nvGrpSpPr>
+      <p:grpSpPr>
+        <a:xfrm>
+          <a:off x="0" y="0"/>
+          <a:ext cx="0" cy="0"/>
+          <a:chOff x="0" y="0"/>
+          <a:chExt cx="0" cy="0"/>
+        </a:xfrm>
+      </p:grpSpPr>
+      <p:sp>
+        <p:nvSpPr>
+          <p:cNvPr id="2" name="Slide Image Placeholder 1"/>
+          <p:cNvSpPr>
+            <a:spLocks noGrp="1" noRot="1" noChangeAspect="1"/>
+          </p:cNvSpPr>
+          <p:nvPr>
+            <p:ph type="sldImg"/>
+          </p:nvPr>
+        </p:nvSpPr>
+        <p:spPr/>
+      </p:sp>
+      <p:sp>
+        <p:nvSpPr>
+          <p:cNvPr id="3" name="Notes Placeholder 2"/>
+          <p:cNvSpPr>
+            <a:spLocks noGrp="1"/>
+          </p:cNvSpPr>
+          <p:nvPr>
+            <p:ph type="body" idx="1"/>
+          </p:nvPr>
+        </p:nvSpPr>
+        <p:spPr/>
+        <p:txBody>
+          <a:bodyPr/>
+          <a:lstStyle/>
+          <a:p>
+            <a:r>
+              <a:rPr lang="en-CA" b="0" i="0" dirty="0">
+                <a:solidFill>
+                  <a:srgbClr val="B392F0"/>
+                </a:solidFill>
+                <a:effectLst/>
+                <a:latin typeface="SFMono-Regular"/>
+              </a:rPr>
+              <a:t>ember</a:t>
+            </a:r>
+            <a:r>
+              <a:rPr lang="en-CA" b="0" i="0" dirty="0">
+                <a:solidFill>
+                  <a:srgbClr val="9ECBFF"/>
+                </a:solidFill>
+                <a:effectLst/>
+                <a:latin typeface="SFMono-Regular"/>
+              </a:rPr>
+              <a:t> serve</a:t>
+            </a:r>
+            <a:r>
+              <a:rPr lang="en-CA" b="0" i="0" dirty="0">
+                <a:solidFill>
+                  <a:srgbClr val="79B8FF"/>
+                </a:solidFill>
+                <a:effectLst/>
+                <a:latin typeface="SFMono-Regular"/>
+              </a:rPr>
+              <a:t> --port 3200 specify a specific port</a:t>
+            </a:r>
+            <a:endParaRPr lang="en-CA" dirty="0"/>
+          </a:p>
+        </p:txBody>
+      </p:sp>
+      <p:sp>
+        <p:nvSpPr>
+          <p:cNvPr id="4" name="Slide Number Placeholder 3"/>
+          <p:cNvSpPr>
+            <a:spLocks noGrp="1"/>
+          </p:cNvSpPr>
+          <p:nvPr>
+            <p:ph type="sldNum" sz="quarter" idx="5"/>
+          </p:nvPr>
+        </p:nvSpPr>
+        <p:spPr/>
+        <p:txBody>
+          <a:bodyPr/>
+          <a:lstStyle/>
+          <a:p>
+            <a:fld id="{5FAF5074-6ACD-4485-B69E-1C1D9625F432}" type="slidenum">
+              <a:rPr lang="en-CA" smtClean="0"/>
+              <a:t>9</a:t>
+            </a:fld>
+            <a:endParaRPr lang="en-CA"/>
+          </a:p>
+        </p:txBody>
+      </p:sp>
+    </p:spTree>
+    <p:extLst>
+      <p:ext uri="{BB962C8B-B14F-4D97-AF65-F5344CB8AC3E}">
+        <p14:creationId xmlns:p14="http://schemas.microsoft.com/office/powerpoint/2010/main" val="3322933271"/>
+      </p:ext>
+    </p:extLst>
+  </p:cSld>
+  <p:clrMapOvr>
+    <a:masterClrMapping/>
+  </p:clrMapOvr>
+</p:notes>
+</file>
+
 <file path=ppt/slideLayouts/slideLayout1.xml><?xml version="1.0" encoding="utf-8"?>
 <p:sldLayout xmlns:a="http://schemas.openxmlformats.org/drawingml/2006/main" xmlns:r="http://schemas.openxmlformats.org/officeDocument/2006/relationships" xmlns:p="http://schemas.openxmlformats.org/presentationml/2006/main" type="title" preserve="1">
   <p:cSld name="Title Slide">
@@ -1352,7 +1466,7 @@
             <a:fld id="{1D8BD707-D9CF-40AE-B4C6-C98DA3205C09}" type="datetimeFigureOut">
               <a:rPr lang="en-US" smtClean="0"/>
               <a:pPr/>
-              <a:t>3/2/2025</a:t>
+              <a:t>3/4/2025</a:t>
             </a:fld>
             <a:endParaRPr lang="en-US"/>
           </a:p>
@@ -1517,7 +1631,7 @@
             <a:fld id="{1D8BD707-D9CF-40AE-B4C6-C98DA3205C09}" type="datetimeFigureOut">
               <a:rPr lang="en-US" smtClean="0"/>
               <a:pPr/>
-              <a:t>3/2/2025</a:t>
+              <a:t>3/4/2025</a:t>
             </a:fld>
             <a:endParaRPr lang="en-US"/>
           </a:p>
@@ -1692,7 +1806,7 @@
             <a:fld id="{1D8BD707-D9CF-40AE-B4C6-C98DA3205C09}" type="datetimeFigureOut">
               <a:rPr lang="en-US" smtClean="0"/>
               <a:pPr/>
-              <a:t>3/2/2025</a:t>
+              <a:t>3/4/2025</a:t>
             </a:fld>
             <a:endParaRPr lang="en-US"/>
           </a:p>
@@ -1857,7 +1971,7 @@
             <a:fld id="{1D8BD707-D9CF-40AE-B4C6-C98DA3205C09}" type="datetimeFigureOut">
               <a:rPr lang="en-US" smtClean="0"/>
               <a:pPr/>
-              <a:t>3/2/2025</a:t>
+              <a:t>3/4/2025</a:t>
             </a:fld>
             <a:endParaRPr lang="en-US"/>
           </a:p>
@@ -2099,7 +2213,7 @@
             <a:fld id="{1D8BD707-D9CF-40AE-B4C6-C98DA3205C09}" type="datetimeFigureOut">
               <a:rPr lang="en-US" smtClean="0"/>
               <a:pPr/>
-              <a:t>3/2/2025</a:t>
+              <a:t>3/4/2025</a:t>
             </a:fld>
             <a:endParaRPr lang="en-US"/>
           </a:p>
@@ -2381,7 +2495,7 @@
             <a:fld id="{1D8BD707-D9CF-40AE-B4C6-C98DA3205C09}" type="datetimeFigureOut">
               <a:rPr lang="en-US" smtClean="0"/>
               <a:pPr/>
-              <a:t>3/2/2025</a:t>
+              <a:t>3/4/2025</a:t>
             </a:fld>
             <a:endParaRPr lang="en-US"/>
           </a:p>
@@ -2797,7 +2911,7 @@
             <a:fld id="{1D8BD707-D9CF-40AE-B4C6-C98DA3205C09}" type="datetimeFigureOut">
               <a:rPr lang="en-US" smtClean="0"/>
               <a:pPr/>
-              <a:t>3/2/2025</a:t>
+              <a:t>3/4/2025</a:t>
             </a:fld>
             <a:endParaRPr lang="en-US"/>
           </a:p>
@@ -2911,7 +3025,7 @@
             <a:fld id="{1D8BD707-D9CF-40AE-B4C6-C98DA3205C09}" type="datetimeFigureOut">
               <a:rPr lang="en-US" smtClean="0"/>
               <a:pPr/>
-              <a:t>3/2/2025</a:t>
+              <a:t>3/4/2025</a:t>
             </a:fld>
             <a:endParaRPr lang="en-US"/>
           </a:p>
@@ -3003,7 +3117,7 @@
             <a:fld id="{1D8BD707-D9CF-40AE-B4C6-C98DA3205C09}" type="datetimeFigureOut">
               <a:rPr lang="en-US" smtClean="0"/>
               <a:pPr/>
-              <a:t>3/2/2025</a:t>
+              <a:t>3/4/2025</a:t>
             </a:fld>
             <a:endParaRPr lang="en-US"/>
           </a:p>
@@ -3275,7 +3389,7 @@
             <a:fld id="{1D8BD707-D9CF-40AE-B4C6-C98DA3205C09}" type="datetimeFigureOut">
               <a:rPr lang="en-US" smtClean="0"/>
               <a:pPr/>
-              <a:t>3/2/2025</a:t>
+              <a:t>3/4/2025</a:t>
             </a:fld>
             <a:endParaRPr lang="en-US"/>
           </a:p>
@@ -3524,7 +3638,7 @@
             <a:fld id="{1D8BD707-D9CF-40AE-B4C6-C98DA3205C09}" type="datetimeFigureOut">
               <a:rPr lang="en-US" smtClean="0"/>
               <a:pPr/>
-              <a:t>3/2/2025</a:t>
+              <a:t>3/4/2025</a:t>
             </a:fld>
             <a:endParaRPr lang="en-US"/>
           </a:p>
@@ -3732,7 +3846,7 @@
             <a:fld id="{1D8BD707-D9CF-40AE-B4C6-C98DA3205C09}" type="datetimeFigureOut">
               <a:rPr lang="en-US" smtClean="0"/>
               <a:pPr/>
-              <a:t>3/2/2025</a:t>
+              <a:t>3/4/2025</a:t>
             </a:fld>
             <a:endParaRPr lang="en-US"/>
           </a:p>
@@ -9517,7 +9631,7 @@
                 <a:cs typeface="Open Sauce Light"/>
                 <a:sym typeface="Open Sauce Light"/>
               </a:rPr>
-              <a:t>Retrieve and display data from TMDB API inside a </a:t>
+              <a:t>Retrieve and display data from TMDB API using fetch inside a </a:t>
             </a:r>
             <a:r>
               <a:rPr lang="en-US" sz="3200" spc="-23" dirty="0">
@@ -9531,18 +9645,15 @@
               </a:rPr>
               <a:t>service</a:t>
             </a:r>
-            <a:r>
-              <a:rPr lang="en-US" sz="3200" spc="-23" dirty="0">
-                <a:solidFill>
-                  <a:srgbClr val="1F191A"/>
-                </a:solidFill>
-                <a:latin typeface="Open Sauce Light"/>
-                <a:ea typeface="Open Sauce Light"/>
-                <a:cs typeface="Open Sauce Light"/>
-                <a:sym typeface="Open Sauce Light"/>
-              </a:rPr>
-              <a:t> and using fetch</a:t>
-            </a:r>
+            <a:endParaRPr lang="en-US" sz="3200" spc="-23" dirty="0">
+              <a:solidFill>
+                <a:srgbClr val="1F191A"/>
+              </a:solidFill>
+              <a:latin typeface="Open Sauce Light"/>
+              <a:ea typeface="Open Sauce Light"/>
+              <a:cs typeface="Open Sauce Light"/>
+              <a:sym typeface="Open Sauce Light"/>
+            </a:endParaRPr>
           </a:p>
         </p:txBody>
       </p:sp>

--- a/EmberJS.pptx
+++ b/EmberJS.pptx
@@ -891,6 +891,81 @@
               <a:rPr lang="en-US" dirty="0"/>
               <a:t>.</a:t>
             </a:r>
+          </a:p>
+          <a:p>
+            <a:endParaRPr lang="en-US" dirty="0"/>
+          </a:p>
+          <a:p>
+            <a:r>
+              <a:rPr lang="en-US" dirty="0"/>
+              <a:t>After creating the project</a:t>
+            </a:r>
+          </a:p>
+          <a:p>
+            <a:pPr algn="l">
+              <a:buFont typeface="Arial" panose="020B0604020202020204" pitchFamily="34" charset="0"/>
+              <a:buChar char="•"/>
+            </a:pPr>
+            <a:r>
+              <a:rPr lang="en-CA" b="0" i="0" dirty="0">
+                <a:solidFill>
+                  <a:srgbClr val="42474F"/>
+                </a:solidFill>
+                <a:effectLst/>
+                <a:latin typeface="Inter var"/>
+              </a:rPr>
+              <a:t>A development server.</a:t>
+            </a:r>
+          </a:p>
+          <a:p>
+            <a:pPr algn="l">
+              <a:buFont typeface="Arial" panose="020B0604020202020204" pitchFamily="34" charset="0"/>
+              <a:buChar char="•"/>
+            </a:pPr>
+            <a:r>
+              <a:rPr lang="en-CA" b="0" i="0" dirty="0">
+                <a:solidFill>
+                  <a:srgbClr val="42474F"/>
+                </a:solidFill>
+                <a:effectLst/>
+                <a:latin typeface="Inter var"/>
+              </a:rPr>
+              <a:t>Template compilation.</a:t>
+            </a:r>
+          </a:p>
+          <a:p>
+            <a:pPr algn="l">
+              <a:buFont typeface="Arial" panose="020B0604020202020204" pitchFamily="34" charset="0"/>
+              <a:buChar char="•"/>
+            </a:pPr>
+            <a:r>
+              <a:rPr lang="en-CA" b="0" i="0" dirty="0">
+                <a:solidFill>
+                  <a:srgbClr val="42474F"/>
+                </a:solidFill>
+                <a:effectLst/>
+                <a:latin typeface="Inter var"/>
+              </a:rPr>
+              <a:t>JavaScript and CSS minification.</a:t>
+            </a:r>
+          </a:p>
+          <a:p>
+            <a:pPr algn="l">
+              <a:buFont typeface="Arial" panose="020B0604020202020204" pitchFamily="34" charset="0"/>
+              <a:buChar char="•"/>
+            </a:pPr>
+            <a:r>
+              <a:rPr lang="en-CA" b="0" i="0" dirty="0">
+                <a:solidFill>
+                  <a:srgbClr val="42474F"/>
+                </a:solidFill>
+                <a:effectLst/>
+                <a:latin typeface="Inter var"/>
+              </a:rPr>
+              <a:t>Modern features via Babel.</a:t>
+            </a:r>
+          </a:p>
+          <a:p>
             <a:endParaRPr lang="en-CA" dirty="0"/>
           </a:p>
         </p:txBody>
@@ -1246,7 +1321,6 @@
               </a:rPr>
               <a:t> --port 3200 specify a specific port</a:t>
             </a:r>
-            <a:endParaRPr lang="en-CA" dirty="0"/>
           </a:p>
         </p:txBody>
       </p:sp>

--- a/EmberJS.pptx
+++ b/EmberJS.pptx
@@ -13,9 +13,9 @@
     <p:sldId id="257" r:id="rId4"/>
     <p:sldId id="260" r:id="rId5"/>
     <p:sldId id="259" r:id="rId6"/>
-    <p:sldId id="263" r:id="rId7"/>
-    <p:sldId id="268" r:id="rId8"/>
-    <p:sldId id="269" r:id="rId9"/>
+    <p:sldId id="268" r:id="rId7"/>
+    <p:sldId id="269" r:id="rId8"/>
+    <p:sldId id="263" r:id="rId9"/>
     <p:sldId id="265" r:id="rId10"/>
     <p:sldId id="270" r:id="rId11"/>
     <p:sldId id="266" r:id="rId12"/>
@@ -245,7 +245,7 @@
           <a:p>
             <a:fld id="{04B268A5-FB92-44F3-8FBB-DACDCD54BFAA}" type="datetimeFigureOut">
               <a:rPr lang="en-CA" smtClean="0"/>
-              <a:t>2025-03-04</a:t>
+              <a:t>2025-03-17</a:t>
             </a:fld>
             <a:endParaRPr lang="en-CA"/>
           </a:p>
@@ -802,171 +802,51 @@
           <a:lstStyle/>
           <a:p>
             <a:r>
-              <a:rPr lang="en-US" dirty="0"/>
-              <a:t>We keep the command in one line so that we can install the ember-cli directly inside our project folder (no </a:t>
-            </a:r>
-            <a:r>
-              <a:rPr lang="en-US" dirty="0" err="1"/>
-              <a:t>node_modules</a:t>
-            </a:r>
-            <a:r>
-              <a:rPr lang="en-US" dirty="0"/>
-              <a:t>, and </a:t>
-            </a:r>
-            <a:r>
-              <a:rPr lang="en-US" dirty="0" err="1"/>
-              <a:t>package.json</a:t>
-            </a:r>
-            <a:r>
-              <a:rPr lang="en-US" dirty="0"/>
-              <a:t> outside the project directory)</a:t>
-            </a:r>
-          </a:p>
-          <a:p>
-            <a:endParaRPr lang="en-US" dirty="0"/>
-          </a:p>
-          <a:p>
-            <a:r>
-              <a:rPr lang="en-US" b="1" dirty="0"/>
-              <a:t>-p ember-cli</a:t>
-            </a:r>
-            <a:r>
-              <a:rPr lang="en-US" dirty="0"/>
-              <a:t> tells </a:t>
-            </a:r>
-            <a:r>
-              <a:rPr lang="en-US" dirty="0" err="1"/>
-              <a:t>npx</a:t>
-            </a:r>
-            <a:r>
-              <a:rPr lang="en-US" dirty="0"/>
-              <a:t> to temporarily install ember-cli and use it for this command.</a:t>
-            </a:r>
-          </a:p>
-          <a:p>
-            <a:endParaRPr lang="en-US" dirty="0"/>
-          </a:p>
-          <a:p>
-            <a:r>
-              <a:rPr lang="en-US" dirty="0" err="1"/>
-              <a:t>npx</a:t>
-            </a:r>
-            <a:r>
-              <a:rPr lang="en-US" dirty="0"/>
-              <a:t> is a </a:t>
-            </a:r>
-            <a:r>
-              <a:rPr lang="en-US" b="1" dirty="0"/>
-              <a:t>Node.js package runner</a:t>
-            </a:r>
-            <a:r>
-              <a:rPr lang="en-US" dirty="0"/>
-              <a:t> that allows you to run </a:t>
-            </a:r>
-            <a:r>
-              <a:rPr lang="en-US" b="1" dirty="0" err="1"/>
-              <a:t>npm</a:t>
-            </a:r>
-            <a:r>
-              <a:rPr lang="en-US" b="1" dirty="0"/>
-              <a:t> packages without installing them globally</a:t>
-            </a:r>
-            <a:r>
-              <a:rPr lang="en-US" dirty="0"/>
-              <a:t>. It comes bundled with </a:t>
-            </a:r>
-            <a:r>
-              <a:rPr lang="en-US" b="1" dirty="0"/>
-              <a:t>Node.js (since v5.2.0 of </a:t>
-            </a:r>
-            <a:r>
-              <a:rPr lang="en-US" b="1" dirty="0" err="1"/>
-              <a:t>npm</a:t>
-            </a:r>
-            <a:r>
-              <a:rPr lang="en-US" b="1" dirty="0"/>
-              <a:t>)</a:t>
-            </a:r>
-            <a:r>
-              <a:rPr lang="en-US" dirty="0"/>
-              <a:t>.</a:t>
-            </a:r>
-          </a:p>
-          <a:p>
-            <a:endParaRPr lang="en-US" dirty="0"/>
-          </a:p>
-          <a:p>
-            <a:r>
-              <a:rPr lang="en-US" dirty="0"/>
-              <a:t>After creating the project</a:t>
-            </a:r>
-          </a:p>
-          <a:p>
-            <a:pPr algn="l">
-              <a:buFont typeface="Arial" panose="020B0604020202020204" pitchFamily="34" charset="0"/>
-              <a:buChar char="•"/>
-            </a:pPr>
-            <a:r>
-              <a:rPr lang="en-CA" b="0" i="0" dirty="0">
-                <a:solidFill>
-                  <a:srgbClr val="42474F"/>
-                </a:solidFill>
-                <a:effectLst/>
-                <a:latin typeface="Inter var"/>
-              </a:rPr>
-              <a:t>A development server.</a:t>
-            </a:r>
-          </a:p>
-          <a:p>
-            <a:pPr algn="l">
-              <a:buFont typeface="Arial" panose="020B0604020202020204" pitchFamily="34" charset="0"/>
-              <a:buChar char="•"/>
-            </a:pPr>
-            <a:r>
-              <a:rPr lang="en-CA" b="0" i="0" dirty="0">
-                <a:solidFill>
-                  <a:srgbClr val="42474F"/>
-                </a:solidFill>
-                <a:effectLst/>
-                <a:latin typeface="Inter var"/>
-              </a:rPr>
-              <a:t>Template compilation.</a:t>
-            </a:r>
-          </a:p>
-          <a:p>
-            <a:pPr algn="l">
-              <a:buFont typeface="Arial" panose="020B0604020202020204" pitchFamily="34" charset="0"/>
-              <a:buChar char="•"/>
-            </a:pPr>
-            <a:r>
-              <a:rPr lang="en-CA" b="0" i="0" dirty="0">
-                <a:solidFill>
-                  <a:srgbClr val="42474F"/>
-                </a:solidFill>
-                <a:effectLst/>
-                <a:latin typeface="Inter var"/>
-              </a:rPr>
-              <a:t>JavaScript and CSS minification.</a:t>
-            </a:r>
-          </a:p>
-          <a:p>
-            <a:pPr algn="l">
-              <a:buFont typeface="Arial" panose="020B0604020202020204" pitchFamily="34" charset="0"/>
-              <a:buChar char="•"/>
-            </a:pPr>
-            <a:r>
-              <a:rPr lang="en-CA" b="0" i="0" dirty="0">
-                <a:solidFill>
-                  <a:srgbClr val="42474F"/>
-                </a:solidFill>
-                <a:effectLst/>
-                <a:latin typeface="Inter var"/>
-              </a:rPr>
-              <a:t>Modern features via Babel.</a:t>
-            </a:r>
-          </a:p>
-          <a:p>
-            <a:endParaRPr lang="en-CA" dirty="0"/>
+              <a:rPr lang="en-CA" dirty="0"/>
+              <a:t>App </a:t>
+            </a:r>
+            <a:r>
+              <a:rPr lang="en-CA" dirty="0" err="1"/>
+              <a:t>dir</a:t>
+            </a:r>
+            <a:r>
+              <a:rPr lang="en-CA" dirty="0"/>
+              <a:t> is where we focus on, contains all logic templates </a:t>
+            </a:r>
+          </a:p>
+          <a:p>
+            <a:r>
+              <a:rPr lang="en-CA" dirty="0"/>
+              <a:t>Config is where configuration files are contained (environment vars)</a:t>
+            </a:r>
+          </a:p>
+          <a:p>
+            <a:r>
+              <a:rPr lang="en-CA" dirty="0"/>
+              <a:t>Public </a:t>
+            </a:r>
+            <a:r>
+              <a:rPr lang="en-CA" dirty="0" err="1"/>
+              <a:t>dir</a:t>
+            </a:r>
+            <a:r>
+              <a:rPr lang="en-CA" dirty="0"/>
+              <a:t> is where you put all assets (images, fonts) = all files contained here will be included once we create a build</a:t>
+            </a:r>
+          </a:p>
+          <a:p>
+            <a:r>
+              <a:rPr lang="en-CA" dirty="0"/>
+              <a:t>Vendor </a:t>
+            </a:r>
+            <a:r>
+              <a:rPr lang="en-CA" dirty="0" err="1"/>
+              <a:t>dir</a:t>
+            </a:r>
+            <a:r>
+              <a:rPr lang="en-CA" dirty="0"/>
+              <a:t> is where you put third party libraries</a:t>
+            </a:r>
           </a:p>
         </p:txBody>
       </p:sp>
@@ -996,7 +876,7 @@
     </p:spTree>
     <p:extLst>
       <p:ext uri="{BB962C8B-B14F-4D97-AF65-F5344CB8AC3E}">
-        <p14:creationId xmlns:p14="http://schemas.microsoft.com/office/powerpoint/2010/main" val="1708339277"/>
+        <p14:creationId xmlns:p14="http://schemas.microsoft.com/office/powerpoint/2010/main" val="1570963684"/>
       </p:ext>
     </p:extLst>
   </p:cSld>
@@ -1051,50 +931,33 @@
           <a:lstStyle/>
           <a:p>
             <a:r>
+              <a:rPr lang="en-CA" dirty="0" err="1"/>
+              <a:t>Application.hbs</a:t>
+            </a:r>
+            <a:r>
               <a:rPr lang="en-CA" dirty="0"/>
-              <a:t>App </a:t>
-            </a:r>
-            <a:r>
-              <a:rPr lang="en-CA" dirty="0" err="1"/>
-              <a:t>dir</a:t>
-            </a:r>
+              <a:t> – starting point of app</a:t>
+            </a:r>
+          </a:p>
+          <a:p>
+            <a:endParaRPr lang="en-CA" dirty="0"/>
+          </a:p>
+          <a:p>
             <a:r>
               <a:rPr lang="en-CA" dirty="0"/>
-              <a:t> is where we focus on, contains all logic templates </a:t>
+              <a:t>Kinds of routes</a:t>
             </a:r>
           </a:p>
           <a:p>
             <a:r>
               <a:rPr lang="en-CA" dirty="0"/>
-              <a:t>Config is where configuration files are contained (environment vars)</a:t>
+              <a:t>Basic route - /movies</a:t>
             </a:r>
           </a:p>
           <a:p>
             <a:r>
               <a:rPr lang="en-CA" dirty="0"/>
-              <a:t>Public </a:t>
-            </a:r>
-            <a:r>
-              <a:rPr lang="en-CA" dirty="0" err="1"/>
-              <a:t>dir</a:t>
-            </a:r>
-            <a:r>
-              <a:rPr lang="en-CA" dirty="0"/>
-              <a:t> is where you put all assets (images, fonts) = all files contained here will be included once we create a build</a:t>
-            </a:r>
-          </a:p>
-          <a:p>
-            <a:r>
-              <a:rPr lang="en-CA" dirty="0"/>
-              <a:t>Vendor </a:t>
-            </a:r>
-            <a:r>
-              <a:rPr lang="en-CA" dirty="0" err="1"/>
-              <a:t>dir</a:t>
-            </a:r>
-            <a:r>
-              <a:rPr lang="en-CA" dirty="0"/>
-              <a:t> is where you put third party libraries</a:t>
+              <a:t>Nested route - /movies/id</a:t>
             </a:r>
           </a:p>
         </p:txBody>
@@ -1125,7 +988,7 @@
     </p:spTree>
     <p:extLst>
       <p:ext uri="{BB962C8B-B14F-4D97-AF65-F5344CB8AC3E}">
-        <p14:creationId xmlns:p14="http://schemas.microsoft.com/office/powerpoint/2010/main" val="1570963684"/>
+        <p14:creationId xmlns:p14="http://schemas.microsoft.com/office/powerpoint/2010/main" val="597789251"/>
       </p:ext>
     </p:extLst>
   </p:cSld>
@@ -1180,34 +1043,171 @@
           <a:lstStyle/>
           <a:p>
             <a:r>
-              <a:rPr lang="en-CA" dirty="0" err="1"/>
-              <a:t>Application.hbs</a:t>
-            </a:r>
-            <a:r>
-              <a:rPr lang="en-CA" dirty="0"/>
-              <a:t> – starting point of app</a:t>
+              <a:rPr lang="en-US" dirty="0"/>
+              <a:t>We keep the command in one line so that we can install the ember-cli directly inside our project folder (no </a:t>
+            </a:r>
+            <a:r>
+              <a:rPr lang="en-US" dirty="0" err="1"/>
+              <a:t>node_modules</a:t>
+            </a:r>
+            <a:r>
+              <a:rPr lang="en-US" dirty="0"/>
+              <a:t>, and </a:t>
+            </a:r>
+            <a:r>
+              <a:rPr lang="en-US" dirty="0" err="1"/>
+              <a:t>package.json</a:t>
+            </a:r>
+            <a:r>
+              <a:rPr lang="en-US" dirty="0"/>
+              <a:t> outside the project directory)</a:t>
+            </a:r>
+          </a:p>
+          <a:p>
+            <a:endParaRPr lang="en-US" dirty="0"/>
+          </a:p>
+          <a:p>
+            <a:r>
+              <a:rPr lang="en-US" b="1" dirty="0"/>
+              <a:t>-p ember-cli</a:t>
+            </a:r>
+            <a:r>
+              <a:rPr lang="en-US" dirty="0"/>
+              <a:t> tells </a:t>
+            </a:r>
+            <a:r>
+              <a:rPr lang="en-US" dirty="0" err="1"/>
+              <a:t>npx</a:t>
+            </a:r>
+            <a:r>
+              <a:rPr lang="en-US" dirty="0"/>
+              <a:t> to temporarily install ember-cli and use it for this command.</a:t>
+            </a:r>
+          </a:p>
+          <a:p>
+            <a:endParaRPr lang="en-US" dirty="0"/>
+          </a:p>
+          <a:p>
+            <a:r>
+              <a:rPr lang="en-US" dirty="0" err="1"/>
+              <a:t>npx</a:t>
+            </a:r>
+            <a:r>
+              <a:rPr lang="en-US" dirty="0"/>
+              <a:t> is a </a:t>
+            </a:r>
+            <a:r>
+              <a:rPr lang="en-US" b="1" dirty="0"/>
+              <a:t>Node.js package runner</a:t>
+            </a:r>
+            <a:r>
+              <a:rPr lang="en-US" dirty="0"/>
+              <a:t> that allows you to run </a:t>
+            </a:r>
+            <a:r>
+              <a:rPr lang="en-US" b="1" dirty="0" err="1"/>
+              <a:t>npm</a:t>
+            </a:r>
+            <a:r>
+              <a:rPr lang="en-US" b="1" dirty="0"/>
+              <a:t> packages without installing them globally</a:t>
+            </a:r>
+            <a:r>
+              <a:rPr lang="en-US" dirty="0"/>
+              <a:t>. It comes bundled with </a:t>
+            </a:r>
+            <a:r>
+              <a:rPr lang="en-US" b="1" dirty="0"/>
+              <a:t>Node.js (since v5.2.0 of </a:t>
+            </a:r>
+            <a:r>
+              <a:rPr lang="en-US" b="1" dirty="0" err="1"/>
+              <a:t>npm</a:t>
+            </a:r>
+            <a:r>
+              <a:rPr lang="en-US" b="1" dirty="0"/>
+              <a:t>)</a:t>
+            </a:r>
+            <a:r>
+              <a:rPr lang="en-US" dirty="0"/>
+              <a:t>.</a:t>
+            </a:r>
+          </a:p>
+          <a:p>
+            <a:endParaRPr lang="en-US" dirty="0"/>
+          </a:p>
+          <a:p>
+            <a:r>
+              <a:rPr lang="en-US" dirty="0"/>
+              <a:t>After creating the project</a:t>
+            </a:r>
+          </a:p>
+          <a:p>
+            <a:pPr algn="l">
+              <a:buFont typeface="Arial" panose="020B0604020202020204" pitchFamily="34" charset="0"/>
+              <a:buChar char="•"/>
+            </a:pPr>
+            <a:r>
+              <a:rPr lang="en-CA" b="0" i="0" dirty="0">
+                <a:solidFill>
+                  <a:srgbClr val="42474F"/>
+                </a:solidFill>
+                <a:effectLst/>
+                <a:latin typeface="Inter var"/>
+              </a:rPr>
+              <a:t>A development server.</a:t>
+            </a:r>
+          </a:p>
+          <a:p>
+            <a:pPr algn="l">
+              <a:buFont typeface="Arial" panose="020B0604020202020204" pitchFamily="34" charset="0"/>
+              <a:buChar char="•"/>
+            </a:pPr>
+            <a:r>
+              <a:rPr lang="en-CA" b="0" i="0" dirty="0">
+                <a:solidFill>
+                  <a:srgbClr val="42474F"/>
+                </a:solidFill>
+                <a:effectLst/>
+                <a:latin typeface="Inter var"/>
+              </a:rPr>
+              <a:t>Template compilation.</a:t>
+            </a:r>
+          </a:p>
+          <a:p>
+            <a:pPr algn="l">
+              <a:buFont typeface="Arial" panose="020B0604020202020204" pitchFamily="34" charset="0"/>
+              <a:buChar char="•"/>
+            </a:pPr>
+            <a:r>
+              <a:rPr lang="en-CA" b="0" i="0" dirty="0">
+                <a:solidFill>
+                  <a:srgbClr val="42474F"/>
+                </a:solidFill>
+                <a:effectLst/>
+                <a:latin typeface="Inter var"/>
+              </a:rPr>
+              <a:t>JavaScript and CSS minification.</a:t>
+            </a:r>
+          </a:p>
+          <a:p>
+            <a:pPr algn="l">
+              <a:buFont typeface="Arial" panose="020B0604020202020204" pitchFamily="34" charset="0"/>
+              <a:buChar char="•"/>
+            </a:pPr>
+            <a:r>
+              <a:rPr lang="en-CA" b="0" i="0" dirty="0">
+                <a:solidFill>
+                  <a:srgbClr val="42474F"/>
+                </a:solidFill>
+                <a:effectLst/>
+                <a:latin typeface="Inter var"/>
+              </a:rPr>
+              <a:t>Modern features via Babel.</a:t>
             </a:r>
           </a:p>
           <a:p>
             <a:endParaRPr lang="en-CA" dirty="0"/>
-          </a:p>
-          <a:p>
-            <a:r>
-              <a:rPr lang="en-CA" dirty="0"/>
-              <a:t>Kinds of routes</a:t>
-            </a:r>
-          </a:p>
-          <a:p>
-            <a:r>
-              <a:rPr lang="en-CA" dirty="0"/>
-              <a:t>Basic route - /movies</a:t>
-            </a:r>
-          </a:p>
-          <a:p>
-            <a:r>
-              <a:rPr lang="en-CA" dirty="0"/>
-              <a:t>Nested route - /movies/id</a:t>
-            </a:r>
           </a:p>
         </p:txBody>
       </p:sp>
@@ -1237,7 +1237,7 @@
     </p:spTree>
     <p:extLst>
       <p:ext uri="{BB962C8B-B14F-4D97-AF65-F5344CB8AC3E}">
-        <p14:creationId xmlns:p14="http://schemas.microsoft.com/office/powerpoint/2010/main" val="597789251"/>
+        <p14:creationId xmlns:p14="http://schemas.microsoft.com/office/powerpoint/2010/main" val="1708339277"/>
       </p:ext>
     </p:extLst>
   </p:cSld>
@@ -1540,7 +1540,7 @@
             <a:fld id="{1D8BD707-D9CF-40AE-B4C6-C98DA3205C09}" type="datetimeFigureOut">
               <a:rPr lang="en-US" smtClean="0"/>
               <a:pPr/>
-              <a:t>3/4/2025</a:t>
+              <a:t>3/17/2025</a:t>
             </a:fld>
             <a:endParaRPr lang="en-US"/>
           </a:p>
@@ -1705,7 +1705,7 @@
             <a:fld id="{1D8BD707-D9CF-40AE-B4C6-C98DA3205C09}" type="datetimeFigureOut">
               <a:rPr lang="en-US" smtClean="0"/>
               <a:pPr/>
-              <a:t>3/4/2025</a:t>
+              <a:t>3/17/2025</a:t>
             </a:fld>
             <a:endParaRPr lang="en-US"/>
           </a:p>
@@ -1880,7 +1880,7 @@
             <a:fld id="{1D8BD707-D9CF-40AE-B4C6-C98DA3205C09}" type="datetimeFigureOut">
               <a:rPr lang="en-US" smtClean="0"/>
               <a:pPr/>
-              <a:t>3/4/2025</a:t>
+              <a:t>3/17/2025</a:t>
             </a:fld>
             <a:endParaRPr lang="en-US"/>
           </a:p>
@@ -2045,7 +2045,7 @@
             <a:fld id="{1D8BD707-D9CF-40AE-B4C6-C98DA3205C09}" type="datetimeFigureOut">
               <a:rPr lang="en-US" smtClean="0"/>
               <a:pPr/>
-              <a:t>3/4/2025</a:t>
+              <a:t>3/17/2025</a:t>
             </a:fld>
             <a:endParaRPr lang="en-US"/>
           </a:p>
@@ -2287,7 +2287,7 @@
             <a:fld id="{1D8BD707-D9CF-40AE-B4C6-C98DA3205C09}" type="datetimeFigureOut">
               <a:rPr lang="en-US" smtClean="0"/>
               <a:pPr/>
-              <a:t>3/4/2025</a:t>
+              <a:t>3/17/2025</a:t>
             </a:fld>
             <a:endParaRPr lang="en-US"/>
           </a:p>
@@ -2569,7 +2569,7 @@
             <a:fld id="{1D8BD707-D9CF-40AE-B4C6-C98DA3205C09}" type="datetimeFigureOut">
               <a:rPr lang="en-US" smtClean="0"/>
               <a:pPr/>
-              <a:t>3/4/2025</a:t>
+              <a:t>3/17/2025</a:t>
             </a:fld>
             <a:endParaRPr lang="en-US"/>
           </a:p>
@@ -2985,7 +2985,7 @@
             <a:fld id="{1D8BD707-D9CF-40AE-B4C6-C98DA3205C09}" type="datetimeFigureOut">
               <a:rPr lang="en-US" smtClean="0"/>
               <a:pPr/>
-              <a:t>3/4/2025</a:t>
+              <a:t>3/17/2025</a:t>
             </a:fld>
             <a:endParaRPr lang="en-US"/>
           </a:p>
@@ -3099,7 +3099,7 @@
             <a:fld id="{1D8BD707-D9CF-40AE-B4C6-C98DA3205C09}" type="datetimeFigureOut">
               <a:rPr lang="en-US" smtClean="0"/>
               <a:pPr/>
-              <a:t>3/4/2025</a:t>
+              <a:t>3/17/2025</a:t>
             </a:fld>
             <a:endParaRPr lang="en-US"/>
           </a:p>
@@ -3191,7 +3191,7 @@
             <a:fld id="{1D8BD707-D9CF-40AE-B4C6-C98DA3205C09}" type="datetimeFigureOut">
               <a:rPr lang="en-US" smtClean="0"/>
               <a:pPr/>
-              <a:t>3/4/2025</a:t>
+              <a:t>3/17/2025</a:t>
             </a:fld>
             <a:endParaRPr lang="en-US"/>
           </a:p>
@@ -3463,7 +3463,7 @@
             <a:fld id="{1D8BD707-D9CF-40AE-B4C6-C98DA3205C09}" type="datetimeFigureOut">
               <a:rPr lang="en-US" smtClean="0"/>
               <a:pPr/>
-              <a:t>3/4/2025</a:t>
+              <a:t>3/17/2025</a:t>
             </a:fld>
             <a:endParaRPr lang="en-US"/>
           </a:p>
@@ -3712,7 +3712,7 @@
             <a:fld id="{1D8BD707-D9CF-40AE-B4C6-C98DA3205C09}" type="datetimeFigureOut">
               <a:rPr lang="en-US" smtClean="0"/>
               <a:pPr/>
-              <a:t>3/4/2025</a:t>
+              <a:t>3/17/2025</a:t>
             </a:fld>
             <a:endParaRPr lang="en-US"/>
           </a:p>
@@ -3920,7 +3920,7 @@
             <a:fld id="{1D8BD707-D9CF-40AE-B4C6-C98DA3205C09}" type="datetimeFigureOut">
               <a:rPr lang="en-US" smtClean="0"/>
               <a:pPr/>
-              <a:t>3/4/2025</a:t>
+              <a:t>3/17/2025</a:t>
             </a:fld>
             <a:endParaRPr lang="en-US"/>
           </a:p>
@@ -4619,11 +4619,11 @@
               </a:lnSpc>
             </a:pPr>
             <a:r>
-              <a:rPr lang="en-US" sz="4400" b="1" spc="-228" dirty="0">
+              <a:rPr lang="en-US" sz="4400" spc="-228" dirty="0">
                 <a:solidFill>
                   <a:srgbClr val="1F191A"/>
                 </a:solidFill>
-                <a:latin typeface="Aileron Bold"/>
+                <a:latin typeface="Aileron Light" panose="020B0604020202020204" charset="0"/>
                 <a:ea typeface="Aileron Bold"/>
                 <a:cs typeface="Aileron Bold"/>
                 <a:sym typeface="Aileron Bold"/>
@@ -4638,11 +4638,11 @@
               </a:lnSpc>
             </a:pPr>
             <a:r>
-              <a:rPr lang="en-US" sz="4400" b="1" spc="-228" dirty="0">
+              <a:rPr lang="en-US" sz="4400" spc="-228" dirty="0">
                 <a:solidFill>
                   <a:srgbClr val="1F191A"/>
                 </a:solidFill>
-                <a:latin typeface="Aileron Bold"/>
+                <a:latin typeface="Aileron Light" panose="020B0604020202020204" charset="0"/>
                 <a:ea typeface="Aileron Bold"/>
                 <a:cs typeface="Aileron Bold"/>
                 <a:sym typeface="Aileron Bold"/>
@@ -5765,7 +5765,7 @@
                 <a:cs typeface="Open Sauce Bold"/>
                 <a:sym typeface="Open Sauce Bold"/>
               </a:rPr>
-              <a:t>Project Setup &amp; Structure</a:t>
+              <a:t>Project Structure &amp; Flow </a:t>
             </a:r>
           </a:p>
         </p:txBody>
@@ -6042,7 +6042,7 @@
                 <a:cs typeface="Open Sauce Bold"/>
                 <a:sym typeface="Open Sauce Bold"/>
               </a:rPr>
-              <a:t>Demo</a:t>
+              <a:t>Setup &amp; Demo</a:t>
             </a:r>
           </a:p>
         </p:txBody>
@@ -8378,607 +8378,6 @@
 <file path=ppt/slides/slide6.xml><?xml version="1.0" encoding="utf-8"?>
 <p:sld xmlns:a="http://schemas.openxmlformats.org/drawingml/2006/main" xmlns:r="http://schemas.openxmlformats.org/officeDocument/2006/relationships" xmlns:p="http://schemas.openxmlformats.org/presentationml/2006/main">
   <p:cSld>
-    <p:bg>
-      <p:bgPr>
-        <a:solidFill>
-          <a:srgbClr val="FAF9F4"/>
-        </a:solidFill>
-        <a:effectLst/>
-      </p:bgPr>
-    </p:bg>
-    <p:spTree>
-      <p:nvGrpSpPr>
-        <p:cNvPr id="1" name=""/>
-        <p:cNvGrpSpPr/>
-        <p:nvPr/>
-      </p:nvGrpSpPr>
-      <p:grpSpPr>
-        <a:xfrm>
-          <a:off x="0" y="0"/>
-          <a:ext cx="0" cy="0"/>
-          <a:chOff x="0" y="0"/>
-          <a:chExt cx="0" cy="0"/>
-        </a:xfrm>
-      </p:grpSpPr>
-      <p:sp>
-        <p:nvSpPr>
-          <p:cNvPr id="2" name="TextBox 2"/>
-          <p:cNvSpPr txBox="1"/>
-          <p:nvPr/>
-        </p:nvSpPr>
-        <p:spPr>
-          <a:xfrm>
-            <a:off x="1040423" y="765491"/>
-            <a:ext cx="8573344" cy="1281761"/>
-          </a:xfrm>
-          <a:prstGeom prst="rect">
-            <a:avLst/>
-          </a:prstGeom>
-        </p:spPr>
-        <p:txBody>
-          <a:bodyPr lIns="0" tIns="0" rIns="0" bIns="0" rtlCol="0" anchor="t">
-            <a:spAutoFit/>
-          </a:bodyPr>
-          <a:lstStyle/>
-          <a:p>
-            <a:pPr marL="0" lvl="0" indent="0" algn="l">
-              <a:lnSpc>
-                <a:spcPts val="9773"/>
-              </a:lnSpc>
-              <a:spcBef>
-                <a:spcPct val="0"/>
-              </a:spcBef>
-            </a:pPr>
-            <a:r>
-              <a:rPr lang="en-US" sz="9600" u="none" strike="noStrike" spc="-293" dirty="0">
-                <a:latin typeface="Aileron"/>
-                <a:ea typeface="Aileron"/>
-                <a:cs typeface="Aileron"/>
-                <a:sym typeface="Aileron"/>
-              </a:rPr>
-              <a:t>Setup</a:t>
-            </a:r>
-            <a:endParaRPr lang="en-US" sz="9773" u="none" strike="noStrike" spc="-293" dirty="0">
-              <a:latin typeface="Aileron"/>
-              <a:ea typeface="Aileron"/>
-              <a:cs typeface="Aileron"/>
-              <a:sym typeface="Aileron"/>
-            </a:endParaRPr>
-          </a:p>
-        </p:txBody>
-      </p:sp>
-      <p:sp>
-        <p:nvSpPr>
-          <p:cNvPr id="20" name="TextBox 19">
-            <a:extLst>
-              <a:ext uri="{FF2B5EF4-FFF2-40B4-BE49-F238E27FC236}">
-                <a16:creationId xmlns:a16="http://schemas.microsoft.com/office/drawing/2014/main" id="{AB795284-99A6-694B-6314-AD871B3F46D1}"/>
-              </a:ext>
-            </a:extLst>
-          </p:cNvPr>
-          <p:cNvSpPr txBox="1"/>
-          <p:nvPr/>
-        </p:nvSpPr>
-        <p:spPr>
-          <a:xfrm>
-            <a:off x="838200" y="4252712"/>
-            <a:ext cx="16687800" cy="731867"/>
-          </a:xfrm>
-          <a:prstGeom prst="rect">
-            <a:avLst/>
-          </a:prstGeom>
-          <a:noFill/>
-        </p:spPr>
-        <p:txBody>
-          <a:bodyPr wrap="square">
-            <a:spAutoFit/>
-          </a:bodyPr>
-          <a:lstStyle/>
-          <a:p>
-            <a:pPr marL="0" marR="0" lvl="0" indent="0" algn="l" defTabSz="914400" rtl="0" eaLnBrk="1" fontAlgn="auto" latinLnBrk="0" hangingPunct="1">
-              <a:lnSpc>
-                <a:spcPts val="5280"/>
-              </a:lnSpc>
-              <a:spcBef>
-                <a:spcPts val="0"/>
-              </a:spcBef>
-              <a:spcAft>
-                <a:spcPts val="0"/>
-              </a:spcAft>
-              <a:buClrTx/>
-              <a:buSzTx/>
-              <a:buFontTx/>
-              <a:buNone/>
-              <a:tabLst/>
-              <a:defRPr/>
-            </a:pPr>
-            <a:r>
-              <a:rPr lang="en-US" sz="4400" b="1" spc="-48" dirty="0" err="1">
-                <a:solidFill>
-                  <a:srgbClr val="EF4434"/>
-                </a:solidFill>
-                <a:latin typeface="Open Sauce Bold"/>
-                <a:ea typeface="Open Sauce Bold"/>
-                <a:cs typeface="Open Sauce Bold"/>
-                <a:sym typeface="Open Sauce Bold"/>
-              </a:rPr>
-              <a:t>npx</a:t>
-            </a:r>
-            <a:r>
-              <a:rPr lang="en-US" sz="4400" b="1" spc="-48" dirty="0">
-                <a:solidFill>
-                  <a:srgbClr val="EF4434"/>
-                </a:solidFill>
-                <a:latin typeface="Open Sauce Bold"/>
-                <a:ea typeface="Open Sauce Bold"/>
-                <a:cs typeface="Open Sauce Bold"/>
-                <a:sym typeface="Open Sauce Bold"/>
-              </a:rPr>
-              <a:t> -p ember-cli ember new &lt;name-of-</a:t>
-            </a:r>
-            <a:r>
-              <a:rPr lang="en-US" sz="4400" b="1" spc="-48" dirty="0" err="1">
-                <a:solidFill>
-                  <a:srgbClr val="EF4434"/>
-                </a:solidFill>
-                <a:latin typeface="Open Sauce Bold"/>
-                <a:ea typeface="Open Sauce Bold"/>
-                <a:cs typeface="Open Sauce Bold"/>
-                <a:sym typeface="Open Sauce Bold"/>
-              </a:rPr>
-              <a:t>proj</a:t>
-            </a:r>
-            <a:r>
-              <a:rPr lang="en-US" sz="4400" b="1" spc="-48" dirty="0">
-                <a:solidFill>
-                  <a:srgbClr val="EF4434"/>
-                </a:solidFill>
-                <a:latin typeface="Open Sauce Bold"/>
-                <a:ea typeface="Open Sauce Bold"/>
-                <a:cs typeface="Open Sauce Bold"/>
-                <a:sym typeface="Open Sauce Bold"/>
-              </a:rPr>
-              <a:t>&gt; --embroider</a:t>
-            </a:r>
-          </a:p>
-        </p:txBody>
-      </p:sp>
-      <p:sp>
-        <p:nvSpPr>
-          <p:cNvPr id="23" name="TextBox 7">
-            <a:extLst>
-              <a:ext uri="{FF2B5EF4-FFF2-40B4-BE49-F238E27FC236}">
-                <a16:creationId xmlns:a16="http://schemas.microsoft.com/office/drawing/2014/main" id="{34E2935B-2A1A-411A-E5E1-C6ACA4559374}"/>
-              </a:ext>
-            </a:extLst>
-          </p:cNvPr>
-          <p:cNvSpPr txBox="1"/>
-          <p:nvPr/>
-        </p:nvSpPr>
-        <p:spPr>
-          <a:xfrm>
-            <a:off x="1905000" y="2476500"/>
-            <a:ext cx="8458200" cy="553998"/>
-          </a:xfrm>
-          <a:prstGeom prst="rect">
-            <a:avLst/>
-          </a:prstGeom>
-        </p:spPr>
-        <p:txBody>
-          <a:bodyPr wrap="square" lIns="0" tIns="0" rIns="0" bIns="0" rtlCol="0" anchor="t">
-            <a:spAutoFit/>
-          </a:bodyPr>
-          <a:lstStyle/>
-          <a:p>
-            <a:pPr marL="1028700" lvl="1" indent="-571500">
-              <a:buFont typeface="Arial" panose="020B0604020202020204" pitchFamily="34" charset="0"/>
-              <a:buChar char="•"/>
-            </a:pPr>
-            <a:r>
-              <a:rPr lang="en-US" sz="3600" spc="-23" dirty="0">
-                <a:solidFill>
-                  <a:srgbClr val="1F191A"/>
-                </a:solidFill>
-                <a:latin typeface="Open Sauce Light"/>
-                <a:ea typeface="Open Sauce Light"/>
-                <a:cs typeface="Open Sauce Light"/>
-                <a:sym typeface="Open Sauce Light"/>
-              </a:rPr>
-              <a:t>requires node and </a:t>
-            </a:r>
-            <a:r>
-              <a:rPr lang="en-US" sz="3600" spc="-23" dirty="0" err="1">
-                <a:solidFill>
-                  <a:srgbClr val="1F191A"/>
-                </a:solidFill>
-                <a:latin typeface="Open Sauce Light"/>
-                <a:ea typeface="Open Sauce Light"/>
-                <a:cs typeface="Open Sauce Light"/>
-                <a:sym typeface="Open Sauce Light"/>
-              </a:rPr>
-              <a:t>npm</a:t>
-            </a:r>
-            <a:endParaRPr lang="en-US" sz="3600" spc="-23" dirty="0">
-              <a:solidFill>
-                <a:srgbClr val="1F191A"/>
-              </a:solidFill>
-              <a:latin typeface="Open Sauce Light"/>
-              <a:ea typeface="Open Sauce Light"/>
-              <a:cs typeface="Open Sauce Light"/>
-              <a:sym typeface="Open Sauce Light"/>
-            </a:endParaRPr>
-          </a:p>
-        </p:txBody>
-      </p:sp>
-      <p:sp>
-        <p:nvSpPr>
-          <p:cNvPr id="27" name="TextBox 26">
-            <a:extLst>
-              <a:ext uri="{FF2B5EF4-FFF2-40B4-BE49-F238E27FC236}">
-                <a16:creationId xmlns:a16="http://schemas.microsoft.com/office/drawing/2014/main" id="{A88DF117-969C-67AC-EADE-A281BF6E8E1D}"/>
-              </a:ext>
-            </a:extLst>
-          </p:cNvPr>
-          <p:cNvSpPr txBox="1"/>
-          <p:nvPr/>
-        </p:nvSpPr>
-        <p:spPr>
-          <a:xfrm>
-            <a:off x="838200" y="3635400"/>
-            <a:ext cx="15468600" cy="537263"/>
-          </a:xfrm>
-          <a:prstGeom prst="rect">
-            <a:avLst/>
-          </a:prstGeom>
-          <a:noFill/>
-        </p:spPr>
-        <p:txBody>
-          <a:bodyPr wrap="square">
-            <a:spAutoFit/>
-          </a:bodyPr>
-          <a:lstStyle/>
-          <a:p>
-            <a:pPr algn="l">
-              <a:lnSpc>
-                <a:spcPts val="3358"/>
-              </a:lnSpc>
-            </a:pPr>
-            <a:r>
-              <a:rPr lang="en-US" sz="4000" spc="-23" dirty="0">
-                <a:solidFill>
-                  <a:srgbClr val="1F191A"/>
-                </a:solidFill>
-                <a:latin typeface="Open Sauce Light"/>
-                <a:ea typeface="Open Sauce Light"/>
-                <a:cs typeface="Open Sauce Light"/>
-                <a:sym typeface="Open Sauce Light"/>
-              </a:rPr>
-              <a:t>Install ember-cli locally and create project</a:t>
-            </a:r>
-          </a:p>
-        </p:txBody>
-      </p:sp>
-      <p:sp>
-        <p:nvSpPr>
-          <p:cNvPr id="7" name="TextBox 6">
-            <a:extLst>
-              <a:ext uri="{FF2B5EF4-FFF2-40B4-BE49-F238E27FC236}">
-                <a16:creationId xmlns:a16="http://schemas.microsoft.com/office/drawing/2014/main" id="{AFBF4089-257A-BF05-90A1-341DB7BA0118}"/>
-              </a:ext>
-            </a:extLst>
-          </p:cNvPr>
-          <p:cNvSpPr txBox="1"/>
-          <p:nvPr/>
-        </p:nvSpPr>
-        <p:spPr>
-          <a:xfrm>
-            <a:off x="838200" y="6035040"/>
-            <a:ext cx="4495800" cy="2375009"/>
-          </a:xfrm>
-          <a:prstGeom prst="rect">
-            <a:avLst/>
-          </a:prstGeom>
-          <a:noFill/>
-        </p:spPr>
-        <p:txBody>
-          <a:bodyPr wrap="square">
-            <a:spAutoFit/>
-          </a:bodyPr>
-          <a:lstStyle/>
-          <a:p>
-            <a:pPr algn="l">
-              <a:lnSpc>
-                <a:spcPts val="3358"/>
-              </a:lnSpc>
-            </a:pPr>
-            <a:r>
-              <a:rPr lang="en-US" sz="4000" b="1" spc="-23" dirty="0">
-                <a:solidFill>
-                  <a:srgbClr val="EF4434"/>
-                </a:solidFill>
-                <a:latin typeface="Open Sauce Light"/>
-                <a:ea typeface="Open Sauce Light"/>
-                <a:cs typeface="Open Sauce Light"/>
-                <a:sym typeface="Open Sauce Light"/>
-              </a:rPr>
-              <a:t>Optional Flags: </a:t>
-            </a:r>
-          </a:p>
-          <a:p>
-            <a:pPr algn="l"/>
-            <a:r>
-              <a:rPr lang="en-US" sz="4000" b="1" spc="-23" dirty="0">
-                <a:solidFill>
-                  <a:srgbClr val="1F191A"/>
-                </a:solidFill>
-                <a:latin typeface="Open Sauce Light"/>
-                <a:ea typeface="Open Sauce Light"/>
-                <a:cs typeface="Open Sauce Light"/>
-                <a:sym typeface="Open Sauce Light"/>
-              </a:rPr>
-              <a:t> --embroider</a:t>
-            </a:r>
-          </a:p>
-          <a:p>
-            <a:pPr algn="l"/>
-            <a:r>
-              <a:rPr lang="en-US" sz="4000" b="1" spc="-23" dirty="0">
-                <a:solidFill>
-                  <a:srgbClr val="1F191A"/>
-                </a:solidFill>
-                <a:latin typeface="Open Sauce Light"/>
-                <a:ea typeface="Open Sauce Light"/>
-                <a:cs typeface="Open Sauce Light"/>
-                <a:sym typeface="Open Sauce Light"/>
-              </a:rPr>
-              <a:t> -sg (--skip-git)</a:t>
-            </a:r>
-          </a:p>
-          <a:p>
-            <a:pPr algn="l"/>
-            <a:r>
-              <a:rPr lang="en-US" sz="4000" b="1" spc="-23" dirty="0">
-                <a:solidFill>
-                  <a:srgbClr val="1F191A"/>
-                </a:solidFill>
-                <a:latin typeface="Open Sauce Light"/>
-                <a:ea typeface="Open Sauce Light"/>
-                <a:cs typeface="Open Sauce Light"/>
-                <a:sym typeface="Open Sauce Light"/>
-              </a:rPr>
-              <a:t> --no-welcome</a:t>
-            </a:r>
-          </a:p>
-        </p:txBody>
-      </p:sp>
-      <p:sp>
-        <p:nvSpPr>
-          <p:cNvPr id="16" name="TextBox 15">
-            <a:extLst>
-              <a:ext uri="{FF2B5EF4-FFF2-40B4-BE49-F238E27FC236}">
-                <a16:creationId xmlns:a16="http://schemas.microsoft.com/office/drawing/2014/main" id="{E91CE039-A1E3-BA8E-6F50-D3F7BD237BEE}"/>
-              </a:ext>
-            </a:extLst>
-          </p:cNvPr>
-          <p:cNvSpPr txBox="1"/>
-          <p:nvPr/>
-        </p:nvSpPr>
-        <p:spPr>
-          <a:xfrm>
-            <a:off x="7696200" y="6057900"/>
-            <a:ext cx="9601200" cy="4051045"/>
-          </a:xfrm>
-          <a:prstGeom prst="rect">
-            <a:avLst/>
-          </a:prstGeom>
-          <a:noFill/>
-        </p:spPr>
-        <p:txBody>
-          <a:bodyPr wrap="square">
-            <a:spAutoFit/>
-          </a:bodyPr>
-          <a:lstStyle/>
-          <a:p>
-            <a:pPr algn="l">
-              <a:lnSpc>
-                <a:spcPts val="3358"/>
-              </a:lnSpc>
-            </a:pPr>
-            <a:r>
-              <a:rPr lang="en-US" sz="4000" b="1" spc="-23" dirty="0">
-                <a:solidFill>
-                  <a:srgbClr val="EF4434"/>
-                </a:solidFill>
-                <a:latin typeface="Open Sauce Light"/>
-                <a:ea typeface="Open Sauce Light"/>
-                <a:cs typeface="Open Sauce Light"/>
-                <a:sym typeface="Open Sauce Light"/>
-              </a:rPr>
-              <a:t>Commands:</a:t>
-            </a:r>
-          </a:p>
-          <a:p>
-            <a:r>
-              <a:rPr lang="en-US" sz="4000" b="1" spc="-23" dirty="0" err="1">
-                <a:solidFill>
-                  <a:srgbClr val="1F191A"/>
-                </a:solidFill>
-                <a:latin typeface="Open Sauce Light"/>
-                <a:ea typeface="Open Sauce Light"/>
-                <a:cs typeface="Open Sauce Light"/>
-                <a:sym typeface="Open Sauce Light"/>
-              </a:rPr>
-              <a:t>npx</a:t>
-            </a:r>
-            <a:r>
-              <a:rPr lang="en-US" sz="4000" b="1" spc="-23" dirty="0">
-                <a:solidFill>
-                  <a:srgbClr val="1F191A"/>
-                </a:solidFill>
-                <a:latin typeface="Open Sauce Light"/>
-                <a:ea typeface="Open Sauce Light"/>
-                <a:cs typeface="Open Sauce Light"/>
-                <a:sym typeface="Open Sauce Light"/>
-              </a:rPr>
-              <a:t> ember –h</a:t>
-            </a:r>
-          </a:p>
-          <a:p>
-            <a:r>
-              <a:rPr lang="en-US" sz="4000" b="1" spc="-23" dirty="0" err="1">
-                <a:solidFill>
-                  <a:srgbClr val="1F191A"/>
-                </a:solidFill>
-                <a:latin typeface="Open Sauce Light"/>
-                <a:ea typeface="Open Sauce Light"/>
-                <a:cs typeface="Open Sauce Light"/>
-                <a:sym typeface="Open Sauce Light"/>
-              </a:rPr>
-              <a:t>npx</a:t>
-            </a:r>
-            <a:r>
-              <a:rPr lang="en-US" sz="4000" b="1" spc="-23" dirty="0">
-                <a:solidFill>
-                  <a:srgbClr val="1F191A"/>
-                </a:solidFill>
-                <a:latin typeface="Open Sauce Light"/>
-                <a:ea typeface="Open Sauce Light"/>
-                <a:cs typeface="Open Sauce Light"/>
-                <a:sym typeface="Open Sauce Light"/>
-              </a:rPr>
-              <a:t> ember g -h</a:t>
-            </a:r>
-          </a:p>
-          <a:p>
-            <a:pPr algn="l"/>
-            <a:r>
-              <a:rPr lang="en-US" sz="4000" b="1" spc="-23" dirty="0" err="1">
-                <a:solidFill>
-                  <a:srgbClr val="1F191A"/>
-                </a:solidFill>
-                <a:latin typeface="Open Sauce Light"/>
-                <a:ea typeface="Open Sauce Light"/>
-                <a:cs typeface="Open Sauce Light"/>
-                <a:sym typeface="Open Sauce Light"/>
-              </a:rPr>
-              <a:t>npx</a:t>
-            </a:r>
-            <a:r>
-              <a:rPr lang="en-US" sz="4000" b="1" spc="-23" dirty="0">
-                <a:solidFill>
-                  <a:srgbClr val="1F191A"/>
-                </a:solidFill>
-                <a:latin typeface="Open Sauce Light"/>
-                <a:ea typeface="Open Sauce Light"/>
-                <a:cs typeface="Open Sauce Light"/>
-                <a:sym typeface="Open Sauce Light"/>
-              </a:rPr>
-              <a:t> ember g component &lt;name&gt; –</a:t>
-            </a:r>
-            <a:r>
-              <a:rPr lang="en-US" sz="4000" b="1" spc="-23" dirty="0" err="1">
-                <a:solidFill>
-                  <a:srgbClr val="1F191A"/>
-                </a:solidFill>
-                <a:latin typeface="Open Sauce Light"/>
-                <a:ea typeface="Open Sauce Light"/>
-                <a:cs typeface="Open Sauce Light"/>
-                <a:sym typeface="Open Sauce Light"/>
-              </a:rPr>
-              <a:t>gc</a:t>
-            </a:r>
-            <a:endParaRPr lang="en-US" sz="4000" b="1" spc="-23" dirty="0">
-              <a:solidFill>
-                <a:srgbClr val="1F191A"/>
-              </a:solidFill>
-              <a:latin typeface="Open Sauce Light"/>
-              <a:ea typeface="Open Sauce Light"/>
-              <a:cs typeface="Open Sauce Light"/>
-              <a:sym typeface="Open Sauce Light"/>
-            </a:endParaRPr>
-          </a:p>
-          <a:p>
-            <a:pPr algn="l"/>
-            <a:r>
-              <a:rPr lang="en-US" sz="4000" b="1" spc="-23" dirty="0" err="1">
-                <a:solidFill>
-                  <a:srgbClr val="1F191A"/>
-                </a:solidFill>
-                <a:latin typeface="Open Sauce Light"/>
-                <a:ea typeface="Open Sauce Light"/>
-                <a:cs typeface="Open Sauce Light"/>
-                <a:sym typeface="Open Sauce Light"/>
-              </a:rPr>
-              <a:t>npx</a:t>
-            </a:r>
-            <a:r>
-              <a:rPr lang="en-US" sz="4000" b="1" spc="-23" dirty="0">
-                <a:solidFill>
-                  <a:srgbClr val="1F191A"/>
-                </a:solidFill>
-                <a:latin typeface="Open Sauce Light"/>
-                <a:ea typeface="Open Sauce Light"/>
-                <a:cs typeface="Open Sauce Light"/>
-                <a:sym typeface="Open Sauce Light"/>
-              </a:rPr>
-              <a:t> ember g route &lt;name&gt;</a:t>
-            </a:r>
-          </a:p>
-          <a:p>
-            <a:r>
-              <a:rPr lang="en-US" sz="4000" b="1" spc="-23" dirty="0" err="1">
-                <a:solidFill>
-                  <a:srgbClr val="1F191A"/>
-                </a:solidFill>
-                <a:latin typeface="Open Sauce Light"/>
-                <a:ea typeface="Open Sauce Light"/>
-                <a:cs typeface="Open Sauce Light"/>
-                <a:sym typeface="Open Sauce Light"/>
-              </a:rPr>
-              <a:t>npx</a:t>
-            </a:r>
-            <a:r>
-              <a:rPr lang="en-US" sz="4000" b="1" spc="-23" dirty="0">
-                <a:solidFill>
-                  <a:srgbClr val="1F191A"/>
-                </a:solidFill>
-                <a:latin typeface="Open Sauce Light"/>
-                <a:ea typeface="Open Sauce Light"/>
-                <a:cs typeface="Open Sauce Light"/>
-                <a:sym typeface="Open Sauce Light"/>
-              </a:rPr>
-              <a:t> ember g model &lt;name&gt;</a:t>
-            </a:r>
-          </a:p>
-          <a:p>
-            <a:pPr algn="l">
-              <a:lnSpc>
-                <a:spcPts val="3358"/>
-              </a:lnSpc>
-            </a:pPr>
-            <a:endParaRPr lang="en-US" sz="4000" b="1" spc="-23" dirty="0">
-              <a:solidFill>
-                <a:srgbClr val="1F191A"/>
-              </a:solidFill>
-              <a:latin typeface="Open Sauce Light"/>
-              <a:ea typeface="Open Sauce Light"/>
-              <a:cs typeface="Open Sauce Light"/>
-              <a:sym typeface="Open Sauce Light"/>
-            </a:endParaRPr>
-          </a:p>
-        </p:txBody>
-      </p:sp>
-    </p:spTree>
-  </p:cSld>
-  <p:clrMapOvr>
-    <a:masterClrMapping/>
-  </p:clrMapOvr>
-</p:sld>
-</file>
-
-<file path=ppt/slides/slide7.xml><?xml version="1.0" encoding="utf-8"?>
-<p:sld xmlns:a="http://schemas.openxmlformats.org/drawingml/2006/main" xmlns:r="http://schemas.openxmlformats.org/officeDocument/2006/relationships" xmlns:p="http://schemas.openxmlformats.org/presentationml/2006/main">
-  <p:cSld>
     <p:spTree>
       <p:nvGrpSpPr>
         <p:cNvPr id="1" name=""/>
@@ -9220,7 +8619,7 @@
         </p:blipFill>
         <p:spPr>
           <a:xfrm>
-            <a:off x="7932802" y="146539"/>
+            <a:off x="7924800" y="272395"/>
             <a:ext cx="6231200" cy="10009162"/>
           </a:xfrm>
           <a:prstGeom prst="rect">
@@ -9241,7 +8640,7 @@
 </p:sld>
 </file>
 
-<file path=ppt/slides/slide8.xml><?xml version="1.0" encoding="utf-8"?>
+<file path=ppt/slides/slide7.xml><?xml version="1.0" encoding="utf-8"?>
 <p:sld xmlns:a="http://schemas.openxmlformats.org/drawingml/2006/main" xmlns:r="http://schemas.openxmlformats.org/officeDocument/2006/relationships" xmlns:p="http://schemas.openxmlformats.org/presentationml/2006/main">
   <p:cSld>
     <p:bg>
@@ -9355,6 +8754,619 @@
         <p14:creationId xmlns:p14="http://schemas.microsoft.com/office/powerpoint/2010/main" val="434454491"/>
       </p:ext>
     </p:extLst>
+  </p:cSld>
+  <p:clrMapOvr>
+    <a:masterClrMapping/>
+  </p:clrMapOvr>
+</p:sld>
+</file>
+
+<file path=ppt/slides/slide8.xml><?xml version="1.0" encoding="utf-8"?>
+<p:sld xmlns:a="http://schemas.openxmlformats.org/drawingml/2006/main" xmlns:r="http://schemas.openxmlformats.org/officeDocument/2006/relationships" xmlns:p="http://schemas.openxmlformats.org/presentationml/2006/main">
+  <p:cSld>
+    <p:bg>
+      <p:bgPr>
+        <a:solidFill>
+          <a:srgbClr val="FAF9F4"/>
+        </a:solidFill>
+        <a:effectLst/>
+      </p:bgPr>
+    </p:bg>
+    <p:spTree>
+      <p:nvGrpSpPr>
+        <p:cNvPr id="1" name=""/>
+        <p:cNvGrpSpPr/>
+        <p:nvPr/>
+      </p:nvGrpSpPr>
+      <p:grpSpPr>
+        <a:xfrm>
+          <a:off x="0" y="0"/>
+          <a:ext cx="0" cy="0"/>
+          <a:chOff x="0" y="0"/>
+          <a:chExt cx="0" cy="0"/>
+        </a:xfrm>
+      </p:grpSpPr>
+      <p:sp>
+        <p:nvSpPr>
+          <p:cNvPr id="2" name="TextBox 2"/>
+          <p:cNvSpPr txBox="1"/>
+          <p:nvPr/>
+        </p:nvSpPr>
+        <p:spPr>
+          <a:xfrm>
+            <a:off x="1040423" y="765491"/>
+            <a:ext cx="8573344" cy="1281761"/>
+          </a:xfrm>
+          <a:prstGeom prst="rect">
+            <a:avLst/>
+          </a:prstGeom>
+        </p:spPr>
+        <p:txBody>
+          <a:bodyPr lIns="0" tIns="0" rIns="0" bIns="0" rtlCol="0" anchor="t">
+            <a:spAutoFit/>
+          </a:bodyPr>
+          <a:lstStyle/>
+          <a:p>
+            <a:pPr marL="0" lvl="0" indent="0" algn="l">
+              <a:lnSpc>
+                <a:spcPts val="9773"/>
+              </a:lnSpc>
+              <a:spcBef>
+                <a:spcPct val="0"/>
+              </a:spcBef>
+            </a:pPr>
+            <a:r>
+              <a:rPr lang="en-US" sz="9600" u="none" strike="noStrike" spc="-293" dirty="0">
+                <a:latin typeface="Aileron"/>
+                <a:ea typeface="Aileron"/>
+                <a:cs typeface="Aileron"/>
+                <a:sym typeface="Aileron"/>
+              </a:rPr>
+              <a:t>Setup</a:t>
+            </a:r>
+            <a:endParaRPr lang="en-US" sz="9773" u="none" strike="noStrike" spc="-293" dirty="0">
+              <a:latin typeface="Aileron"/>
+              <a:ea typeface="Aileron"/>
+              <a:cs typeface="Aileron"/>
+              <a:sym typeface="Aileron"/>
+            </a:endParaRPr>
+          </a:p>
+        </p:txBody>
+      </p:sp>
+      <p:sp>
+        <p:nvSpPr>
+          <p:cNvPr id="20" name="TextBox 19">
+            <a:extLst>
+              <a:ext uri="{FF2B5EF4-FFF2-40B4-BE49-F238E27FC236}">
+                <a16:creationId xmlns:a16="http://schemas.microsoft.com/office/drawing/2014/main" id="{AB795284-99A6-694B-6314-AD871B3F46D1}"/>
+              </a:ext>
+            </a:extLst>
+          </p:cNvPr>
+          <p:cNvSpPr txBox="1"/>
+          <p:nvPr/>
+        </p:nvSpPr>
+        <p:spPr>
+          <a:xfrm>
+            <a:off x="831295" y="4735916"/>
+            <a:ext cx="16687800" cy="731867"/>
+          </a:xfrm>
+          <a:prstGeom prst="rect">
+            <a:avLst/>
+          </a:prstGeom>
+          <a:noFill/>
+        </p:spPr>
+        <p:txBody>
+          <a:bodyPr wrap="square">
+            <a:spAutoFit/>
+          </a:bodyPr>
+          <a:lstStyle/>
+          <a:p>
+            <a:pPr marL="0" marR="0" lvl="0" indent="0" algn="l" defTabSz="914400" rtl="0" eaLnBrk="1" fontAlgn="auto" latinLnBrk="0" hangingPunct="1">
+              <a:lnSpc>
+                <a:spcPts val="5280"/>
+              </a:lnSpc>
+              <a:spcBef>
+                <a:spcPts val="0"/>
+              </a:spcBef>
+              <a:spcAft>
+                <a:spcPts val="0"/>
+              </a:spcAft>
+              <a:buClrTx/>
+              <a:buSzTx/>
+              <a:buFontTx/>
+              <a:buNone/>
+              <a:tabLst/>
+              <a:defRPr/>
+            </a:pPr>
+            <a:r>
+              <a:rPr lang="en-US" sz="4400" b="1" spc="-48" dirty="0" err="1">
+                <a:solidFill>
+                  <a:srgbClr val="EF4434"/>
+                </a:solidFill>
+                <a:latin typeface="Open Sauce Bold"/>
+                <a:ea typeface="Open Sauce Bold"/>
+                <a:cs typeface="Open Sauce Bold"/>
+                <a:sym typeface="Open Sauce Bold"/>
+              </a:rPr>
+              <a:t>npx</a:t>
+            </a:r>
+            <a:r>
+              <a:rPr lang="en-US" sz="4400" b="1" spc="-48" dirty="0">
+                <a:solidFill>
+                  <a:srgbClr val="EF4434"/>
+                </a:solidFill>
+                <a:latin typeface="Open Sauce Bold"/>
+                <a:ea typeface="Open Sauce Bold"/>
+                <a:cs typeface="Open Sauce Bold"/>
+                <a:sym typeface="Open Sauce Bold"/>
+              </a:rPr>
+              <a:t> -p ember-cli ember new &lt;name-of-</a:t>
+            </a:r>
+            <a:r>
+              <a:rPr lang="en-US" sz="4400" b="1" spc="-48" dirty="0" err="1">
+                <a:solidFill>
+                  <a:srgbClr val="EF4434"/>
+                </a:solidFill>
+                <a:latin typeface="Open Sauce Bold"/>
+                <a:ea typeface="Open Sauce Bold"/>
+                <a:cs typeface="Open Sauce Bold"/>
+                <a:sym typeface="Open Sauce Bold"/>
+              </a:rPr>
+              <a:t>proj</a:t>
+            </a:r>
+            <a:r>
+              <a:rPr lang="en-US" sz="4400" b="1" spc="-48" dirty="0">
+                <a:solidFill>
+                  <a:srgbClr val="EF4434"/>
+                </a:solidFill>
+                <a:latin typeface="Open Sauce Bold"/>
+                <a:ea typeface="Open Sauce Bold"/>
+                <a:cs typeface="Open Sauce Bold"/>
+                <a:sym typeface="Open Sauce Bold"/>
+              </a:rPr>
+              <a:t>&gt; --embroider</a:t>
+            </a:r>
+          </a:p>
+        </p:txBody>
+      </p:sp>
+      <p:sp>
+        <p:nvSpPr>
+          <p:cNvPr id="23" name="TextBox 7">
+            <a:extLst>
+              <a:ext uri="{FF2B5EF4-FFF2-40B4-BE49-F238E27FC236}">
+                <a16:creationId xmlns:a16="http://schemas.microsoft.com/office/drawing/2014/main" id="{34E2935B-2A1A-411A-E5E1-C6ACA4559374}"/>
+              </a:ext>
+            </a:extLst>
+          </p:cNvPr>
+          <p:cNvSpPr txBox="1"/>
+          <p:nvPr/>
+        </p:nvSpPr>
+        <p:spPr>
+          <a:xfrm>
+            <a:off x="1905000" y="2339772"/>
+            <a:ext cx="3886200" cy="1661993"/>
+          </a:xfrm>
+          <a:prstGeom prst="rect">
+            <a:avLst/>
+          </a:prstGeom>
+        </p:spPr>
+        <p:txBody>
+          <a:bodyPr wrap="square" lIns="0" tIns="0" rIns="0" bIns="0" rtlCol="0" anchor="t">
+            <a:spAutoFit/>
+          </a:bodyPr>
+          <a:lstStyle/>
+          <a:p>
+            <a:pPr marL="1028700" lvl="1" indent="-571500">
+              <a:buFont typeface="Arial" panose="020B0604020202020204" pitchFamily="34" charset="0"/>
+              <a:buChar char="•"/>
+            </a:pPr>
+            <a:r>
+              <a:rPr lang="en-US" sz="3600" spc="-23" dirty="0">
+                <a:solidFill>
+                  <a:srgbClr val="1F191A"/>
+                </a:solidFill>
+                <a:latin typeface="Open Sauce Light"/>
+                <a:ea typeface="Open Sauce Light"/>
+                <a:cs typeface="Open Sauce Light"/>
+                <a:sym typeface="Open Sauce Light"/>
+              </a:rPr>
+              <a:t>node</a:t>
+            </a:r>
+          </a:p>
+          <a:p>
+            <a:pPr marL="1028700" lvl="1" indent="-571500">
+              <a:buFont typeface="Arial" panose="020B0604020202020204" pitchFamily="34" charset="0"/>
+              <a:buChar char="•"/>
+            </a:pPr>
+            <a:r>
+              <a:rPr lang="en-US" sz="3600" spc="-23" dirty="0">
+                <a:solidFill>
+                  <a:srgbClr val="1F191A"/>
+                </a:solidFill>
+                <a:latin typeface="Open Sauce Light"/>
+                <a:ea typeface="Open Sauce Light"/>
+                <a:cs typeface="Open Sauce Light"/>
+                <a:sym typeface="Open Sauce Light"/>
+              </a:rPr>
+              <a:t>ember-cli</a:t>
+            </a:r>
+          </a:p>
+          <a:p>
+            <a:pPr marL="1028700" lvl="1" indent="-571500">
+              <a:buFont typeface="Arial" panose="020B0604020202020204" pitchFamily="34" charset="0"/>
+              <a:buChar char="•"/>
+            </a:pPr>
+            <a:endParaRPr lang="en-US" sz="3600" spc="-23" dirty="0">
+              <a:solidFill>
+                <a:srgbClr val="1F191A"/>
+              </a:solidFill>
+              <a:latin typeface="Open Sauce Light"/>
+              <a:ea typeface="Open Sauce Light"/>
+              <a:cs typeface="Open Sauce Light"/>
+              <a:sym typeface="Open Sauce Light"/>
+            </a:endParaRPr>
+          </a:p>
+        </p:txBody>
+      </p:sp>
+      <p:sp>
+        <p:nvSpPr>
+          <p:cNvPr id="27" name="TextBox 26">
+            <a:extLst>
+              <a:ext uri="{FF2B5EF4-FFF2-40B4-BE49-F238E27FC236}">
+                <a16:creationId xmlns:a16="http://schemas.microsoft.com/office/drawing/2014/main" id="{A88DF117-969C-67AC-EADE-A281BF6E8E1D}"/>
+              </a:ext>
+            </a:extLst>
+          </p:cNvPr>
+          <p:cNvSpPr txBox="1"/>
+          <p:nvPr/>
+        </p:nvSpPr>
+        <p:spPr>
+          <a:xfrm>
+            <a:off x="838200" y="4205703"/>
+            <a:ext cx="15468600" cy="537263"/>
+          </a:xfrm>
+          <a:prstGeom prst="rect">
+            <a:avLst/>
+          </a:prstGeom>
+          <a:noFill/>
+        </p:spPr>
+        <p:txBody>
+          <a:bodyPr wrap="square">
+            <a:spAutoFit/>
+          </a:bodyPr>
+          <a:lstStyle/>
+          <a:p>
+            <a:pPr algn="l">
+              <a:lnSpc>
+                <a:spcPts val="3358"/>
+              </a:lnSpc>
+            </a:pPr>
+            <a:r>
+              <a:rPr lang="en-US" sz="4000" spc="-23" dirty="0">
+                <a:solidFill>
+                  <a:srgbClr val="1F191A"/>
+                </a:solidFill>
+                <a:latin typeface="Open Sauce Light"/>
+                <a:ea typeface="Open Sauce Light"/>
+                <a:cs typeface="Open Sauce Light"/>
+                <a:sym typeface="Open Sauce Light"/>
+              </a:rPr>
+              <a:t>Install ember-cli locally and create project</a:t>
+            </a:r>
+          </a:p>
+        </p:txBody>
+      </p:sp>
+      <p:sp>
+        <p:nvSpPr>
+          <p:cNvPr id="7" name="TextBox 6">
+            <a:extLst>
+              <a:ext uri="{FF2B5EF4-FFF2-40B4-BE49-F238E27FC236}">
+                <a16:creationId xmlns:a16="http://schemas.microsoft.com/office/drawing/2014/main" id="{AFBF4089-257A-BF05-90A1-341DB7BA0118}"/>
+              </a:ext>
+            </a:extLst>
+          </p:cNvPr>
+          <p:cNvSpPr txBox="1"/>
+          <p:nvPr/>
+        </p:nvSpPr>
+        <p:spPr>
+          <a:xfrm>
+            <a:off x="831295" y="6591300"/>
+            <a:ext cx="4495800" cy="2375009"/>
+          </a:xfrm>
+          <a:prstGeom prst="rect">
+            <a:avLst/>
+          </a:prstGeom>
+          <a:noFill/>
+        </p:spPr>
+        <p:txBody>
+          <a:bodyPr wrap="square">
+            <a:spAutoFit/>
+          </a:bodyPr>
+          <a:lstStyle/>
+          <a:p>
+            <a:pPr algn="l">
+              <a:lnSpc>
+                <a:spcPts val="3358"/>
+              </a:lnSpc>
+            </a:pPr>
+            <a:r>
+              <a:rPr lang="en-US" sz="4000" b="1" spc="-23" dirty="0">
+                <a:solidFill>
+                  <a:srgbClr val="EF4434"/>
+                </a:solidFill>
+                <a:latin typeface="Open Sauce Light"/>
+                <a:ea typeface="Open Sauce Light"/>
+                <a:cs typeface="Open Sauce Light"/>
+                <a:sym typeface="Open Sauce Light"/>
+              </a:rPr>
+              <a:t>Optional Flags: </a:t>
+            </a:r>
+          </a:p>
+          <a:p>
+            <a:pPr algn="l"/>
+            <a:r>
+              <a:rPr lang="en-US" sz="4000" b="1" spc="-23" dirty="0">
+                <a:solidFill>
+                  <a:srgbClr val="1F191A"/>
+                </a:solidFill>
+                <a:latin typeface="Open Sauce Light"/>
+                <a:ea typeface="Open Sauce Light"/>
+                <a:cs typeface="Open Sauce Light"/>
+                <a:sym typeface="Open Sauce Light"/>
+              </a:rPr>
+              <a:t> --embroider</a:t>
+            </a:r>
+          </a:p>
+          <a:p>
+            <a:pPr algn="l"/>
+            <a:r>
+              <a:rPr lang="en-US" sz="4000" b="1" spc="-23" dirty="0">
+                <a:solidFill>
+                  <a:srgbClr val="1F191A"/>
+                </a:solidFill>
+                <a:latin typeface="Open Sauce Light"/>
+                <a:ea typeface="Open Sauce Light"/>
+                <a:cs typeface="Open Sauce Light"/>
+                <a:sym typeface="Open Sauce Light"/>
+              </a:rPr>
+              <a:t> -sg (--skip-git)</a:t>
+            </a:r>
+          </a:p>
+          <a:p>
+            <a:pPr algn="l"/>
+            <a:r>
+              <a:rPr lang="en-US" sz="4000" b="1" spc="-23" dirty="0">
+                <a:solidFill>
+                  <a:srgbClr val="1F191A"/>
+                </a:solidFill>
+                <a:latin typeface="Open Sauce Light"/>
+                <a:ea typeface="Open Sauce Light"/>
+                <a:cs typeface="Open Sauce Light"/>
+                <a:sym typeface="Open Sauce Light"/>
+              </a:rPr>
+              <a:t> --no-welcome</a:t>
+            </a:r>
+          </a:p>
+        </p:txBody>
+      </p:sp>
+      <p:sp>
+        <p:nvSpPr>
+          <p:cNvPr id="16" name="TextBox 15">
+            <a:extLst>
+              <a:ext uri="{FF2B5EF4-FFF2-40B4-BE49-F238E27FC236}">
+                <a16:creationId xmlns:a16="http://schemas.microsoft.com/office/drawing/2014/main" id="{E91CE039-A1E3-BA8E-6F50-D3F7BD237BEE}"/>
+              </a:ext>
+            </a:extLst>
+          </p:cNvPr>
+          <p:cNvSpPr txBox="1"/>
+          <p:nvPr/>
+        </p:nvSpPr>
+        <p:spPr>
+          <a:xfrm>
+            <a:off x="7772400" y="6591300"/>
+            <a:ext cx="9601200" cy="4051045"/>
+          </a:xfrm>
+          <a:prstGeom prst="rect">
+            <a:avLst/>
+          </a:prstGeom>
+          <a:noFill/>
+        </p:spPr>
+        <p:txBody>
+          <a:bodyPr wrap="square">
+            <a:spAutoFit/>
+          </a:bodyPr>
+          <a:lstStyle/>
+          <a:p>
+            <a:pPr algn="l">
+              <a:lnSpc>
+                <a:spcPts val="3358"/>
+              </a:lnSpc>
+            </a:pPr>
+            <a:r>
+              <a:rPr lang="en-US" sz="4000" b="1" spc="-23" dirty="0">
+                <a:solidFill>
+                  <a:srgbClr val="EF4434"/>
+                </a:solidFill>
+                <a:latin typeface="Open Sauce Light"/>
+                <a:ea typeface="Open Sauce Light"/>
+                <a:cs typeface="Open Sauce Light"/>
+                <a:sym typeface="Open Sauce Light"/>
+              </a:rPr>
+              <a:t>Commands:</a:t>
+            </a:r>
+          </a:p>
+          <a:p>
+            <a:r>
+              <a:rPr lang="en-US" sz="4000" b="1" spc="-23" dirty="0" err="1">
+                <a:solidFill>
+                  <a:srgbClr val="1F191A"/>
+                </a:solidFill>
+                <a:latin typeface="Open Sauce Light"/>
+                <a:ea typeface="Open Sauce Light"/>
+                <a:cs typeface="Open Sauce Light"/>
+                <a:sym typeface="Open Sauce Light"/>
+              </a:rPr>
+              <a:t>npx</a:t>
+            </a:r>
+            <a:r>
+              <a:rPr lang="en-US" sz="4000" b="1" spc="-23" dirty="0">
+                <a:solidFill>
+                  <a:srgbClr val="1F191A"/>
+                </a:solidFill>
+                <a:latin typeface="Open Sauce Light"/>
+                <a:ea typeface="Open Sauce Light"/>
+                <a:cs typeface="Open Sauce Light"/>
+                <a:sym typeface="Open Sauce Light"/>
+              </a:rPr>
+              <a:t> ember –h</a:t>
+            </a:r>
+          </a:p>
+          <a:p>
+            <a:r>
+              <a:rPr lang="en-US" sz="4000" b="1" spc="-23" dirty="0" err="1">
+                <a:solidFill>
+                  <a:srgbClr val="1F191A"/>
+                </a:solidFill>
+                <a:latin typeface="Open Sauce Light"/>
+                <a:ea typeface="Open Sauce Light"/>
+                <a:cs typeface="Open Sauce Light"/>
+                <a:sym typeface="Open Sauce Light"/>
+              </a:rPr>
+              <a:t>npx</a:t>
+            </a:r>
+            <a:r>
+              <a:rPr lang="en-US" sz="4000" b="1" spc="-23" dirty="0">
+                <a:solidFill>
+                  <a:srgbClr val="1F191A"/>
+                </a:solidFill>
+                <a:latin typeface="Open Sauce Light"/>
+                <a:ea typeface="Open Sauce Light"/>
+                <a:cs typeface="Open Sauce Light"/>
+                <a:sym typeface="Open Sauce Light"/>
+              </a:rPr>
+              <a:t> ember g -h</a:t>
+            </a:r>
+          </a:p>
+          <a:p>
+            <a:pPr algn="l"/>
+            <a:r>
+              <a:rPr lang="en-US" sz="4000" b="1" spc="-23" dirty="0" err="1">
+                <a:solidFill>
+                  <a:srgbClr val="1F191A"/>
+                </a:solidFill>
+                <a:latin typeface="Open Sauce Light"/>
+                <a:ea typeface="Open Sauce Light"/>
+                <a:cs typeface="Open Sauce Light"/>
+                <a:sym typeface="Open Sauce Light"/>
+              </a:rPr>
+              <a:t>npx</a:t>
+            </a:r>
+            <a:r>
+              <a:rPr lang="en-US" sz="4000" b="1" spc="-23" dirty="0">
+                <a:solidFill>
+                  <a:srgbClr val="1F191A"/>
+                </a:solidFill>
+                <a:latin typeface="Open Sauce Light"/>
+                <a:ea typeface="Open Sauce Light"/>
+                <a:cs typeface="Open Sauce Light"/>
+                <a:sym typeface="Open Sauce Light"/>
+              </a:rPr>
+              <a:t> ember g component &lt;name&gt; –</a:t>
+            </a:r>
+            <a:r>
+              <a:rPr lang="en-US" sz="4000" b="1" spc="-23" dirty="0" err="1">
+                <a:solidFill>
+                  <a:srgbClr val="1F191A"/>
+                </a:solidFill>
+                <a:latin typeface="Open Sauce Light"/>
+                <a:ea typeface="Open Sauce Light"/>
+                <a:cs typeface="Open Sauce Light"/>
+                <a:sym typeface="Open Sauce Light"/>
+              </a:rPr>
+              <a:t>gc</a:t>
+            </a:r>
+            <a:endParaRPr lang="en-US" sz="4000" b="1" spc="-23" dirty="0">
+              <a:solidFill>
+                <a:srgbClr val="1F191A"/>
+              </a:solidFill>
+              <a:latin typeface="Open Sauce Light"/>
+              <a:ea typeface="Open Sauce Light"/>
+              <a:cs typeface="Open Sauce Light"/>
+              <a:sym typeface="Open Sauce Light"/>
+            </a:endParaRPr>
+          </a:p>
+          <a:p>
+            <a:pPr algn="l"/>
+            <a:r>
+              <a:rPr lang="en-US" sz="4000" b="1" spc="-23" dirty="0" err="1">
+                <a:solidFill>
+                  <a:srgbClr val="1F191A"/>
+                </a:solidFill>
+                <a:latin typeface="Open Sauce Light"/>
+                <a:ea typeface="Open Sauce Light"/>
+                <a:cs typeface="Open Sauce Light"/>
+                <a:sym typeface="Open Sauce Light"/>
+              </a:rPr>
+              <a:t>npx</a:t>
+            </a:r>
+            <a:r>
+              <a:rPr lang="en-US" sz="4000" b="1" spc="-23" dirty="0">
+                <a:solidFill>
+                  <a:srgbClr val="1F191A"/>
+                </a:solidFill>
+                <a:latin typeface="Open Sauce Light"/>
+                <a:ea typeface="Open Sauce Light"/>
+                <a:cs typeface="Open Sauce Light"/>
+                <a:sym typeface="Open Sauce Light"/>
+              </a:rPr>
+              <a:t> ember g route &lt;name&gt;</a:t>
+            </a:r>
+          </a:p>
+          <a:p>
+            <a:r>
+              <a:rPr lang="en-US" sz="4000" b="1" spc="-23" dirty="0" err="1">
+                <a:solidFill>
+                  <a:srgbClr val="1F191A"/>
+                </a:solidFill>
+                <a:latin typeface="Open Sauce Light"/>
+                <a:ea typeface="Open Sauce Light"/>
+                <a:cs typeface="Open Sauce Light"/>
+                <a:sym typeface="Open Sauce Light"/>
+              </a:rPr>
+              <a:t>npx</a:t>
+            </a:r>
+            <a:r>
+              <a:rPr lang="en-US" sz="4000" b="1" spc="-23" dirty="0">
+                <a:solidFill>
+                  <a:srgbClr val="1F191A"/>
+                </a:solidFill>
+                <a:latin typeface="Open Sauce Light"/>
+                <a:ea typeface="Open Sauce Light"/>
+                <a:cs typeface="Open Sauce Light"/>
+                <a:sym typeface="Open Sauce Light"/>
+              </a:rPr>
+              <a:t> ember g model &lt;name&gt;</a:t>
+            </a:r>
+          </a:p>
+          <a:p>
+            <a:pPr algn="l">
+              <a:lnSpc>
+                <a:spcPts val="3358"/>
+              </a:lnSpc>
+            </a:pPr>
+            <a:endParaRPr lang="en-US" sz="4000" b="1" spc="-23" dirty="0">
+              <a:solidFill>
+                <a:srgbClr val="1F191A"/>
+              </a:solidFill>
+              <a:latin typeface="Open Sauce Light"/>
+              <a:ea typeface="Open Sauce Light"/>
+              <a:cs typeface="Open Sauce Light"/>
+              <a:sym typeface="Open Sauce Light"/>
+            </a:endParaRPr>
+          </a:p>
+        </p:txBody>
+      </p:sp>
+    </p:spTree>
   </p:cSld>
   <p:clrMapOvr>
     <a:masterClrMapping/>
@@ -9395,15 +9407,15 @@
         </p:nvSpPr>
         <p:spPr>
           <a:xfrm>
-            <a:off x="1255244" y="1304925"/>
-            <a:ext cx="7250009" cy="1256754"/>
+            <a:off x="1255245" y="1304925"/>
+            <a:ext cx="4916956" cy="1256754"/>
           </a:xfrm>
           <a:prstGeom prst="rect">
             <a:avLst/>
           </a:prstGeom>
         </p:spPr>
         <p:txBody>
-          <a:bodyPr lIns="0" tIns="0" rIns="0" bIns="0" rtlCol="0" anchor="t">
+          <a:bodyPr wrap="square" lIns="0" tIns="0" rIns="0" bIns="0" rtlCol="0" anchor="t">
             <a:spAutoFit/>
           </a:bodyPr>
           <a:lstStyle/>
